--- a/PythonTutorial/Presentation/PPtonlibraries.pptx
+++ b/PythonTutorial/Presentation/PPtonlibraries.pptx
@@ -2,7 +2,7 @@
 <file path=ppt/presentation.xml><?xml version="1.0" encoding="utf-8"?>
 <p:presentation xmlns:a="http://schemas.openxmlformats.org/drawingml/2006/main" xmlns:r="http://schemas.openxmlformats.org/officeDocument/2006/relationships" xmlns:p="http://schemas.openxmlformats.org/presentationml/2006/main" saveSubsetFonts="1">
   <p:sldMasterIdLst>
-    <p:sldMasterId id="2147483648" r:id="rId1"/>
+    <p:sldMasterId id="2147483660" r:id="rId1"/>
   </p:sldMasterIdLst>
   <p:sldIdLst>
     <p:sldId id="256" r:id="rId2"/>
@@ -23,7 +23,7 @@
     <a:defPPr>
       <a:defRPr lang="en-US"/>
     </a:defPPr>
-    <a:lvl1pPr marL="0" algn="l" defTabSz="914400" rtl="0" eaLnBrk="1" latinLnBrk="0" hangingPunct="1">
+    <a:lvl1pPr marL="0" algn="l" defTabSz="457200" rtl="0" eaLnBrk="1" latinLnBrk="0" hangingPunct="1">
       <a:defRPr sz="1800" kern="1200">
         <a:solidFill>
           <a:schemeClr val="tx1"/>
@@ -33,7 +33,7 @@
         <a:cs typeface="+mn-cs"/>
       </a:defRPr>
     </a:lvl1pPr>
-    <a:lvl2pPr marL="457200" algn="l" defTabSz="914400" rtl="0" eaLnBrk="1" latinLnBrk="0" hangingPunct="1">
+    <a:lvl2pPr marL="457200" algn="l" defTabSz="457200" rtl="0" eaLnBrk="1" latinLnBrk="0" hangingPunct="1">
       <a:defRPr sz="1800" kern="1200">
         <a:solidFill>
           <a:schemeClr val="tx1"/>
@@ -43,7 +43,7 @@
         <a:cs typeface="+mn-cs"/>
       </a:defRPr>
     </a:lvl2pPr>
-    <a:lvl3pPr marL="914400" algn="l" defTabSz="914400" rtl="0" eaLnBrk="1" latinLnBrk="0" hangingPunct="1">
+    <a:lvl3pPr marL="914400" algn="l" defTabSz="457200" rtl="0" eaLnBrk="1" latinLnBrk="0" hangingPunct="1">
       <a:defRPr sz="1800" kern="1200">
         <a:solidFill>
           <a:schemeClr val="tx1"/>
@@ -53,7 +53,7 @@
         <a:cs typeface="+mn-cs"/>
       </a:defRPr>
     </a:lvl3pPr>
-    <a:lvl4pPr marL="1371600" algn="l" defTabSz="914400" rtl="0" eaLnBrk="1" latinLnBrk="0" hangingPunct="1">
+    <a:lvl4pPr marL="1371600" algn="l" defTabSz="457200" rtl="0" eaLnBrk="1" latinLnBrk="0" hangingPunct="1">
       <a:defRPr sz="1800" kern="1200">
         <a:solidFill>
           <a:schemeClr val="tx1"/>
@@ -63,7 +63,7 @@
         <a:cs typeface="+mn-cs"/>
       </a:defRPr>
     </a:lvl4pPr>
-    <a:lvl5pPr marL="1828800" algn="l" defTabSz="914400" rtl="0" eaLnBrk="1" latinLnBrk="0" hangingPunct="1">
+    <a:lvl5pPr marL="1828800" algn="l" defTabSz="457200" rtl="0" eaLnBrk="1" latinLnBrk="0" hangingPunct="1">
       <a:defRPr sz="1800" kern="1200">
         <a:solidFill>
           <a:schemeClr val="tx1"/>
@@ -73,7 +73,7 @@
         <a:cs typeface="+mn-cs"/>
       </a:defRPr>
     </a:lvl5pPr>
-    <a:lvl6pPr marL="2286000" algn="l" defTabSz="914400" rtl="0" eaLnBrk="1" latinLnBrk="0" hangingPunct="1">
+    <a:lvl6pPr marL="2286000" algn="l" defTabSz="457200" rtl="0" eaLnBrk="1" latinLnBrk="0" hangingPunct="1">
       <a:defRPr sz="1800" kern="1200">
         <a:solidFill>
           <a:schemeClr val="tx1"/>
@@ -83,7 +83,7 @@
         <a:cs typeface="+mn-cs"/>
       </a:defRPr>
     </a:lvl6pPr>
-    <a:lvl7pPr marL="2743200" algn="l" defTabSz="914400" rtl="0" eaLnBrk="1" latinLnBrk="0" hangingPunct="1">
+    <a:lvl7pPr marL="2743200" algn="l" defTabSz="457200" rtl="0" eaLnBrk="1" latinLnBrk="0" hangingPunct="1">
       <a:defRPr sz="1800" kern="1200">
         <a:solidFill>
           <a:schemeClr val="tx1"/>
@@ -93,7 +93,7 @@
         <a:cs typeface="+mn-cs"/>
       </a:defRPr>
     </a:lvl7pPr>
-    <a:lvl8pPr marL="3200400" algn="l" defTabSz="914400" rtl="0" eaLnBrk="1" latinLnBrk="0" hangingPunct="1">
+    <a:lvl8pPr marL="3200400" algn="l" defTabSz="457200" rtl="0" eaLnBrk="1" latinLnBrk="0" hangingPunct="1">
       <a:defRPr sz="1800" kern="1200">
         <a:solidFill>
           <a:schemeClr val="tx1"/>
@@ -103,7 +103,7 @@
         <a:cs typeface="+mn-cs"/>
       </a:defRPr>
     </a:lvl8pPr>
-    <a:lvl9pPr marL="3657600" algn="l" defTabSz="914400" rtl="0" eaLnBrk="1" latinLnBrk="0" hangingPunct="1">
+    <a:lvl9pPr marL="3657600" algn="l" defTabSz="457200" rtl="0" eaLnBrk="1" latinLnBrk="0" hangingPunct="1">
       <a:defRPr sz="1800" kern="1200">
         <a:solidFill>
           <a:schemeClr val="tx1"/>
@@ -123,7 +123,7 @@
 </file>
 
 <file path=ppt/slideLayouts/slideLayout1.xml><?xml version="1.0" encoding="utf-8"?>
-<p:sldLayout xmlns:a="http://schemas.openxmlformats.org/drawingml/2006/main" xmlns:r="http://schemas.openxmlformats.org/officeDocument/2006/relationships" xmlns:p="http://schemas.openxmlformats.org/presentationml/2006/main" type="title" preserve="1">
+<p:sldLayout xmlns:a="http://schemas.openxmlformats.org/drawingml/2006/main" xmlns:r="http://schemas.openxmlformats.org/officeDocument/2006/relationships" xmlns:p="http://schemas.openxmlformats.org/presentationml/2006/main" showMasterSp="0" type="title" preserve="1">
   <p:cSld name="Title Slide">
     <p:spTree>
       <p:nvGrpSpPr>
@@ -139,6 +139,536 @@
           <a:chExt cx="0" cy="0"/>
         </a:xfrm>
       </p:grpSpPr>
+      <p:grpSp>
+        <p:nvGrpSpPr>
+          <p:cNvPr id="7" name="Group 6"/>
+          <p:cNvGrpSpPr/>
+          <p:nvPr/>
+        </p:nvGrpSpPr>
+        <p:grpSpPr>
+          <a:xfrm>
+            <a:off x="0" y="-8467"/>
+            <a:ext cx="12192000" cy="6866467"/>
+            <a:chOff x="0" y="-8467"/>
+            <a:chExt cx="12192000" cy="6866467"/>
+          </a:xfrm>
+        </p:grpSpPr>
+        <p:cxnSp>
+          <p:nvCxnSpPr>
+            <p:cNvPr id="32" name="Straight Connector 31"/>
+            <p:cNvCxnSpPr/>
+            <p:nvPr/>
+          </p:nvCxnSpPr>
+          <p:spPr>
+            <a:xfrm>
+              <a:off x="9371012" y="0"/>
+              <a:ext cx="1219200" cy="6858000"/>
+            </a:xfrm>
+            <a:prstGeom prst="line">
+              <a:avLst/>
+            </a:prstGeom>
+            <a:ln w="9525">
+              <a:solidFill>
+                <a:schemeClr val="bg1">
+                  <a:lumMod val="75000"/>
+                </a:schemeClr>
+              </a:solidFill>
+            </a:ln>
+          </p:spPr>
+          <p:style>
+            <a:lnRef idx="2">
+              <a:schemeClr val="accent1"/>
+            </a:lnRef>
+            <a:fillRef idx="0">
+              <a:schemeClr val="accent1"/>
+            </a:fillRef>
+            <a:effectRef idx="1">
+              <a:schemeClr val="accent1"/>
+            </a:effectRef>
+            <a:fontRef idx="minor">
+              <a:schemeClr val="tx1"/>
+            </a:fontRef>
+          </p:style>
+        </p:cxnSp>
+        <p:cxnSp>
+          <p:nvCxnSpPr>
+            <p:cNvPr id="21" name="Straight Connector 20"/>
+            <p:cNvCxnSpPr/>
+            <p:nvPr/>
+          </p:nvCxnSpPr>
+          <p:spPr>
+            <a:xfrm flipH="1">
+              <a:off x="7425267" y="3681413"/>
+              <a:ext cx="4763558" cy="3176587"/>
+            </a:xfrm>
+            <a:prstGeom prst="line">
+              <a:avLst/>
+            </a:prstGeom>
+            <a:ln w="9525">
+              <a:solidFill>
+                <a:schemeClr val="bg1">
+                  <a:lumMod val="85000"/>
+                </a:schemeClr>
+              </a:solidFill>
+            </a:ln>
+          </p:spPr>
+          <p:style>
+            <a:lnRef idx="2">
+              <a:schemeClr val="accent1"/>
+            </a:lnRef>
+            <a:fillRef idx="0">
+              <a:schemeClr val="accent1"/>
+            </a:fillRef>
+            <a:effectRef idx="1">
+              <a:schemeClr val="accent1"/>
+            </a:effectRef>
+            <a:fontRef idx="minor">
+              <a:schemeClr val="tx1"/>
+            </a:fontRef>
+          </p:style>
+        </p:cxnSp>
+        <p:sp>
+          <p:nvSpPr>
+            <p:cNvPr id="24" name="Rectangle 23"/>
+            <p:cNvSpPr/>
+            <p:nvPr/>
+          </p:nvSpPr>
+          <p:spPr>
+            <a:xfrm>
+              <a:off x="9181476" y="-8467"/>
+              <a:ext cx="3007349" cy="6866467"/>
+            </a:xfrm>
+            <a:custGeom>
+              <a:avLst/>
+              <a:gdLst/>
+              <a:ahLst/>
+              <a:cxnLst/>
+              <a:rect l="l" t="t" r="r" b="b"/>
+              <a:pathLst>
+                <a:path w="3007349" h="6866467">
+                  <a:moveTo>
+                    <a:pt x="2045532" y="0"/>
+                  </a:moveTo>
+                  <a:lnTo>
+                    <a:pt x="3007349" y="0"/>
+                  </a:lnTo>
+                  <a:lnTo>
+                    <a:pt x="3007349" y="6866467"/>
+                  </a:lnTo>
+                  <a:lnTo>
+                    <a:pt x="0" y="6866467"/>
+                  </a:lnTo>
+                  <a:lnTo>
+                    <a:pt x="2045532" y="0"/>
+                  </a:lnTo>
+                  <a:close/>
+                </a:path>
+              </a:pathLst>
+            </a:custGeom>
+            <a:solidFill>
+              <a:schemeClr val="accent1">
+                <a:alpha val="30000"/>
+              </a:schemeClr>
+            </a:solidFill>
+            <a:ln>
+              <a:noFill/>
+            </a:ln>
+            <a:effectLst/>
+          </p:spPr>
+          <p:style>
+            <a:lnRef idx="1">
+              <a:schemeClr val="accent1"/>
+            </a:lnRef>
+            <a:fillRef idx="3">
+              <a:schemeClr val="accent1"/>
+            </a:fillRef>
+            <a:effectRef idx="2">
+              <a:schemeClr val="accent1"/>
+            </a:effectRef>
+            <a:fontRef idx="minor">
+              <a:schemeClr val="lt1"/>
+            </a:fontRef>
+          </p:style>
+        </p:sp>
+        <p:sp>
+          <p:nvSpPr>
+            <p:cNvPr id="26" name="Rectangle 25"/>
+            <p:cNvSpPr/>
+            <p:nvPr/>
+          </p:nvSpPr>
+          <p:spPr>
+            <a:xfrm>
+              <a:off x="9603442" y="-8467"/>
+              <a:ext cx="2588558" cy="6866467"/>
+            </a:xfrm>
+            <a:custGeom>
+              <a:avLst/>
+              <a:gdLst/>
+              <a:ahLst/>
+              <a:cxnLst/>
+              <a:rect l="l" t="t" r="r" b="b"/>
+              <a:pathLst>
+                <a:path w="2573311" h="6866467">
+                  <a:moveTo>
+                    <a:pt x="0" y="0"/>
+                  </a:moveTo>
+                  <a:lnTo>
+                    <a:pt x="2573311" y="0"/>
+                  </a:lnTo>
+                  <a:lnTo>
+                    <a:pt x="2573311" y="6866467"/>
+                  </a:lnTo>
+                  <a:lnTo>
+                    <a:pt x="1202336" y="6866467"/>
+                  </a:lnTo>
+                  <a:lnTo>
+                    <a:pt x="0" y="0"/>
+                  </a:lnTo>
+                  <a:close/>
+                </a:path>
+              </a:pathLst>
+            </a:custGeom>
+            <a:solidFill>
+              <a:schemeClr val="accent1">
+                <a:alpha val="20000"/>
+              </a:schemeClr>
+            </a:solidFill>
+            <a:ln>
+              <a:noFill/>
+            </a:ln>
+            <a:effectLst/>
+          </p:spPr>
+          <p:style>
+            <a:lnRef idx="1">
+              <a:schemeClr val="accent1"/>
+            </a:lnRef>
+            <a:fillRef idx="3">
+              <a:schemeClr val="accent1"/>
+            </a:fillRef>
+            <a:effectRef idx="2">
+              <a:schemeClr val="accent1"/>
+            </a:effectRef>
+            <a:fontRef idx="minor">
+              <a:schemeClr val="lt1"/>
+            </a:fontRef>
+          </p:style>
+        </p:sp>
+        <p:sp>
+          <p:nvSpPr>
+            <p:cNvPr id="27" name="Isosceles Triangle 26"/>
+            <p:cNvSpPr/>
+            <p:nvPr/>
+          </p:nvSpPr>
+          <p:spPr>
+            <a:xfrm>
+              <a:off x="8932333" y="3048000"/>
+              <a:ext cx="3259667" cy="3810000"/>
+            </a:xfrm>
+            <a:prstGeom prst="triangle">
+              <a:avLst>
+                <a:gd name="adj" fmla="val 100000"/>
+              </a:avLst>
+            </a:prstGeom>
+            <a:solidFill>
+              <a:schemeClr val="accent2">
+                <a:alpha val="72000"/>
+              </a:schemeClr>
+            </a:solidFill>
+            <a:ln>
+              <a:noFill/>
+            </a:ln>
+            <a:effectLst/>
+          </p:spPr>
+          <p:style>
+            <a:lnRef idx="1">
+              <a:schemeClr val="accent1"/>
+            </a:lnRef>
+            <a:fillRef idx="3">
+              <a:schemeClr val="accent1"/>
+            </a:fillRef>
+            <a:effectRef idx="2">
+              <a:schemeClr val="accent1"/>
+            </a:effectRef>
+            <a:fontRef idx="minor">
+              <a:schemeClr val="lt1"/>
+            </a:fontRef>
+          </p:style>
+        </p:sp>
+        <p:sp>
+          <p:nvSpPr>
+            <p:cNvPr id="28" name="Rectangle 27"/>
+            <p:cNvSpPr/>
+            <p:nvPr/>
+          </p:nvSpPr>
+          <p:spPr>
+            <a:xfrm>
+              <a:off x="9334500" y="-8467"/>
+              <a:ext cx="2854326" cy="6866467"/>
+            </a:xfrm>
+            <a:custGeom>
+              <a:avLst/>
+              <a:gdLst/>
+              <a:ahLst/>
+              <a:cxnLst/>
+              <a:rect l="l" t="t" r="r" b="b"/>
+              <a:pathLst>
+                <a:path w="2858013" h="6866467">
+                  <a:moveTo>
+                    <a:pt x="0" y="0"/>
+                  </a:moveTo>
+                  <a:lnTo>
+                    <a:pt x="2858013" y="0"/>
+                  </a:lnTo>
+                  <a:lnTo>
+                    <a:pt x="2858013" y="6866467"/>
+                  </a:lnTo>
+                  <a:lnTo>
+                    <a:pt x="2473942" y="6866467"/>
+                  </a:lnTo>
+                  <a:lnTo>
+                    <a:pt x="0" y="0"/>
+                  </a:lnTo>
+                  <a:close/>
+                </a:path>
+              </a:pathLst>
+            </a:custGeom>
+            <a:solidFill>
+              <a:schemeClr val="accent2">
+                <a:lumMod val="75000"/>
+                <a:alpha val="70000"/>
+              </a:schemeClr>
+            </a:solidFill>
+            <a:ln>
+              <a:noFill/>
+            </a:ln>
+            <a:effectLst/>
+          </p:spPr>
+          <p:style>
+            <a:lnRef idx="1">
+              <a:schemeClr val="accent1"/>
+            </a:lnRef>
+            <a:fillRef idx="3">
+              <a:schemeClr val="accent1"/>
+            </a:fillRef>
+            <a:effectRef idx="2">
+              <a:schemeClr val="accent1"/>
+            </a:effectRef>
+            <a:fontRef idx="minor">
+              <a:schemeClr val="lt1"/>
+            </a:fontRef>
+          </p:style>
+        </p:sp>
+        <p:sp>
+          <p:nvSpPr>
+            <p:cNvPr id="29" name="Rectangle 28"/>
+            <p:cNvSpPr/>
+            <p:nvPr/>
+          </p:nvSpPr>
+          <p:spPr>
+            <a:xfrm>
+              <a:off x="10898730" y="-8467"/>
+              <a:ext cx="1290094" cy="6866467"/>
+            </a:xfrm>
+            <a:custGeom>
+              <a:avLst/>
+              <a:gdLst/>
+              <a:ahLst/>
+              <a:cxnLst/>
+              <a:rect l="l" t="t" r="r" b="b"/>
+              <a:pathLst>
+                <a:path w="1290094" h="6858000">
+                  <a:moveTo>
+                    <a:pt x="1019735" y="0"/>
+                  </a:moveTo>
+                  <a:lnTo>
+                    <a:pt x="1290094" y="0"/>
+                  </a:lnTo>
+                  <a:lnTo>
+                    <a:pt x="1290094" y="6858000"/>
+                  </a:lnTo>
+                  <a:lnTo>
+                    <a:pt x="0" y="6858000"/>
+                  </a:lnTo>
+                  <a:lnTo>
+                    <a:pt x="1019735" y="0"/>
+                  </a:lnTo>
+                  <a:close/>
+                </a:path>
+              </a:pathLst>
+            </a:custGeom>
+            <a:solidFill>
+              <a:schemeClr val="accent1">
+                <a:lumMod val="60000"/>
+                <a:lumOff val="40000"/>
+                <a:alpha val="70000"/>
+              </a:schemeClr>
+            </a:solidFill>
+            <a:ln>
+              <a:noFill/>
+            </a:ln>
+            <a:effectLst/>
+          </p:spPr>
+          <p:style>
+            <a:lnRef idx="1">
+              <a:schemeClr val="accent1"/>
+            </a:lnRef>
+            <a:fillRef idx="3">
+              <a:schemeClr val="accent1"/>
+            </a:fillRef>
+            <a:effectRef idx="2">
+              <a:schemeClr val="accent1"/>
+            </a:effectRef>
+            <a:fontRef idx="minor">
+              <a:schemeClr val="lt1"/>
+            </a:fontRef>
+          </p:style>
+        </p:sp>
+        <p:sp>
+          <p:nvSpPr>
+            <p:cNvPr id="30" name="Rectangle 29"/>
+            <p:cNvSpPr/>
+            <p:nvPr/>
+          </p:nvSpPr>
+          <p:spPr>
+            <a:xfrm>
+              <a:off x="10938999" y="-8467"/>
+              <a:ext cx="1249825" cy="6866467"/>
+            </a:xfrm>
+            <a:custGeom>
+              <a:avLst/>
+              <a:gdLst/>
+              <a:ahLst/>
+              <a:cxnLst/>
+              <a:rect l="l" t="t" r="r" b="b"/>
+              <a:pathLst>
+                <a:path w="1249825" h="6858000">
+                  <a:moveTo>
+                    <a:pt x="0" y="0"/>
+                  </a:moveTo>
+                  <a:lnTo>
+                    <a:pt x="1249825" y="0"/>
+                  </a:lnTo>
+                  <a:lnTo>
+                    <a:pt x="1249825" y="6858000"/>
+                  </a:lnTo>
+                  <a:lnTo>
+                    <a:pt x="1109382" y="6858000"/>
+                  </a:lnTo>
+                  <a:lnTo>
+                    <a:pt x="0" y="0"/>
+                  </a:lnTo>
+                  <a:close/>
+                </a:path>
+              </a:pathLst>
+            </a:custGeom>
+            <a:solidFill>
+              <a:schemeClr val="accent1">
+                <a:alpha val="65000"/>
+              </a:schemeClr>
+            </a:solidFill>
+            <a:ln>
+              <a:noFill/>
+            </a:ln>
+            <a:effectLst/>
+          </p:spPr>
+          <p:style>
+            <a:lnRef idx="1">
+              <a:schemeClr val="accent1"/>
+            </a:lnRef>
+            <a:fillRef idx="3">
+              <a:schemeClr val="accent1"/>
+            </a:fillRef>
+            <a:effectRef idx="2">
+              <a:schemeClr val="accent1"/>
+            </a:effectRef>
+            <a:fontRef idx="minor">
+              <a:schemeClr val="lt1"/>
+            </a:fontRef>
+          </p:style>
+        </p:sp>
+        <p:sp>
+          <p:nvSpPr>
+            <p:cNvPr id="31" name="Isosceles Triangle 30"/>
+            <p:cNvSpPr/>
+            <p:nvPr/>
+          </p:nvSpPr>
+          <p:spPr>
+            <a:xfrm>
+              <a:off x="10371666" y="3589867"/>
+              <a:ext cx="1817159" cy="3268133"/>
+            </a:xfrm>
+            <a:prstGeom prst="triangle">
+              <a:avLst>
+                <a:gd name="adj" fmla="val 100000"/>
+              </a:avLst>
+            </a:prstGeom>
+            <a:solidFill>
+              <a:schemeClr val="accent1">
+                <a:alpha val="80000"/>
+              </a:schemeClr>
+            </a:solidFill>
+            <a:ln>
+              <a:noFill/>
+            </a:ln>
+            <a:effectLst/>
+          </p:spPr>
+          <p:style>
+            <a:lnRef idx="1">
+              <a:schemeClr val="accent1"/>
+            </a:lnRef>
+            <a:fillRef idx="3">
+              <a:schemeClr val="accent1"/>
+            </a:fillRef>
+            <a:effectRef idx="2">
+              <a:schemeClr val="accent1"/>
+            </a:effectRef>
+            <a:fontRef idx="minor">
+              <a:schemeClr val="lt1"/>
+            </a:fontRef>
+          </p:style>
+        </p:sp>
+        <p:sp>
+          <p:nvSpPr>
+            <p:cNvPr id="19" name="Isosceles Triangle 18"/>
+            <p:cNvSpPr/>
+            <p:nvPr/>
+          </p:nvSpPr>
+          <p:spPr>
+            <a:xfrm rot="10800000">
+              <a:off x="0" y="0"/>
+              <a:ext cx="842596" cy="5666154"/>
+            </a:xfrm>
+            <a:prstGeom prst="triangle">
+              <a:avLst>
+                <a:gd name="adj" fmla="val 100000"/>
+              </a:avLst>
+            </a:prstGeom>
+            <a:solidFill>
+              <a:schemeClr val="accent1">
+                <a:alpha val="85000"/>
+              </a:schemeClr>
+            </a:solidFill>
+            <a:ln>
+              <a:noFill/>
+            </a:ln>
+            <a:effectLst/>
+          </p:spPr>
+          <p:style>
+            <a:lnRef idx="1">
+              <a:schemeClr val="accent1"/>
+            </a:lnRef>
+            <a:fillRef idx="3">
+              <a:schemeClr val="accent1"/>
+            </a:fillRef>
+            <a:effectRef idx="2">
+              <a:schemeClr val="accent1"/>
+            </a:effectRef>
+            <a:fontRef idx="minor">
+              <a:schemeClr val="lt1"/>
+            </a:fontRef>
+          </p:style>
+        </p:sp>
+      </p:grpSp>
       <p:sp>
         <p:nvSpPr>
           <p:cNvPr id="2" name="Title 1"/>
@@ -151,15 +681,21 @@
         </p:nvSpPr>
         <p:spPr>
           <a:xfrm>
-            <a:off x="1524000" y="1122363"/>
-            <a:ext cx="9144000" cy="2387600"/>
+            <a:off x="1507067" y="2404534"/>
+            <a:ext cx="7766936" cy="1646302"/>
           </a:xfrm>
         </p:spPr>
         <p:txBody>
-          <a:bodyPr anchor="b"/>
+          <a:bodyPr anchor="b">
+            <a:noAutofit/>
+          </a:bodyPr>
           <a:lstStyle>
-            <a:lvl1pPr algn="ctr">
-              <a:defRPr sz="6000"/>
+            <a:lvl1pPr algn="r">
+              <a:defRPr sz="5400">
+                <a:solidFill>
+                  <a:schemeClr val="accent1"/>
+                </a:solidFill>
+              </a:defRPr>
             </a:lvl1pPr>
           </a:lstStyle>
           <a:p>
@@ -167,7 +703,7 @@
               <a:rPr lang="en-US"/>
               <a:t>Click to edit Master title style</a:t>
             </a:r>
-            <a:endParaRPr lang="en-IN"/>
+            <a:endParaRPr lang="en-US" dirty="0"/>
           </a:p>
         </p:txBody>
       </p:sp>
@@ -183,48 +719,103 @@
         </p:nvSpPr>
         <p:spPr>
           <a:xfrm>
-            <a:off x="1524000" y="3602038"/>
-            <a:ext cx="9144000" cy="1655762"/>
+            <a:off x="1507067" y="4050833"/>
+            <a:ext cx="7766936" cy="1096899"/>
           </a:xfrm>
         </p:spPr>
         <p:txBody>
-          <a:bodyPr/>
+          <a:bodyPr anchor="t"/>
           <a:lstStyle>
-            <a:lvl1pPr marL="0" indent="0" algn="ctr">
-              <a:buNone/>
-              <a:defRPr sz="2400"/>
+            <a:lvl1pPr marL="0" indent="0" algn="r">
+              <a:buNone/>
+              <a:defRPr>
+                <a:solidFill>
+                  <a:schemeClr val="tx1">
+                    <a:lumMod val="50000"/>
+                    <a:lumOff val="50000"/>
+                  </a:schemeClr>
+                </a:solidFill>
+              </a:defRPr>
             </a:lvl1pPr>
             <a:lvl2pPr marL="457200" indent="0" algn="ctr">
               <a:buNone/>
-              <a:defRPr sz="2000"/>
+              <a:defRPr>
+                <a:solidFill>
+                  <a:schemeClr val="tx1">
+                    <a:tint val="75000"/>
+                  </a:schemeClr>
+                </a:solidFill>
+              </a:defRPr>
             </a:lvl2pPr>
             <a:lvl3pPr marL="914400" indent="0" algn="ctr">
               <a:buNone/>
-              <a:defRPr sz="1800"/>
+              <a:defRPr>
+                <a:solidFill>
+                  <a:schemeClr val="tx1">
+                    <a:tint val="75000"/>
+                  </a:schemeClr>
+                </a:solidFill>
+              </a:defRPr>
             </a:lvl3pPr>
             <a:lvl4pPr marL="1371600" indent="0" algn="ctr">
               <a:buNone/>
-              <a:defRPr sz="1600"/>
+              <a:defRPr>
+                <a:solidFill>
+                  <a:schemeClr val="tx1">
+                    <a:tint val="75000"/>
+                  </a:schemeClr>
+                </a:solidFill>
+              </a:defRPr>
             </a:lvl4pPr>
             <a:lvl5pPr marL="1828800" indent="0" algn="ctr">
               <a:buNone/>
-              <a:defRPr sz="1600"/>
+              <a:defRPr>
+                <a:solidFill>
+                  <a:schemeClr val="tx1">
+                    <a:tint val="75000"/>
+                  </a:schemeClr>
+                </a:solidFill>
+              </a:defRPr>
             </a:lvl5pPr>
             <a:lvl6pPr marL="2286000" indent="0" algn="ctr">
               <a:buNone/>
-              <a:defRPr sz="1600"/>
+              <a:defRPr>
+                <a:solidFill>
+                  <a:schemeClr val="tx1">
+                    <a:tint val="75000"/>
+                  </a:schemeClr>
+                </a:solidFill>
+              </a:defRPr>
             </a:lvl6pPr>
             <a:lvl7pPr marL="2743200" indent="0" algn="ctr">
               <a:buNone/>
-              <a:defRPr sz="1600"/>
+              <a:defRPr>
+                <a:solidFill>
+                  <a:schemeClr val="tx1">
+                    <a:tint val="75000"/>
+                  </a:schemeClr>
+                </a:solidFill>
+              </a:defRPr>
             </a:lvl7pPr>
             <a:lvl8pPr marL="3200400" indent="0" algn="ctr">
               <a:buNone/>
-              <a:defRPr sz="1600"/>
+              <a:defRPr>
+                <a:solidFill>
+                  <a:schemeClr val="tx1">
+                    <a:tint val="75000"/>
+                  </a:schemeClr>
+                </a:solidFill>
+              </a:defRPr>
             </a:lvl8pPr>
             <a:lvl9pPr marL="3657600" indent="0" algn="ctr">
               <a:buNone/>
-              <a:defRPr sz="1600"/>
+              <a:defRPr>
+                <a:solidFill>
+                  <a:schemeClr val="tx1">
+                    <a:tint val="75000"/>
+                  </a:schemeClr>
+                </a:solidFill>
+              </a:defRPr>
             </a:lvl9pPr>
           </a:lstStyle>
           <a:p>
@@ -232,7 +823,7 @@
               <a:rPr lang="en-US"/>
               <a:t>Click to edit Master subtitle style</a:t>
             </a:r>
-            <a:endParaRPr lang="en-IN"/>
+            <a:endParaRPr lang="en-US" dirty="0"/>
           </a:p>
         </p:txBody>
       </p:sp>
@@ -253,7 +844,7 @@
           <a:p>
             <a:fld id="{09FE77F2-FD67-4623-8EC6-C4EDA26E065A}" type="datetimeFigureOut">
               <a:rPr lang="en-IN" smtClean="0"/>
-              <a:t>25-09-2021</a:t>
+              <a:t>26-09-2021</a:t>
             </a:fld>
             <a:endParaRPr lang="en-IN"/>
           </a:p>
@@ -304,7 +895,7 @@
     </p:spTree>
     <p:extLst>
       <p:ext uri="{BB962C8B-B14F-4D97-AF65-F5344CB8AC3E}">
-        <p14:creationId xmlns:p14="http://schemas.microsoft.com/office/powerpoint/2010/main" val="4027141948"/>
+        <p14:creationId xmlns:p14="http://schemas.microsoft.com/office/powerpoint/2010/main" val="1147362383"/>
       </p:ext>
     </p:extLst>
   </p:cSld>
@@ -315,6 +906,1619 @@
 </file>
 
 <file path=ppt/slideLayouts/slideLayout10.xml><?xml version="1.0" encoding="utf-8"?>
+<p:sldLayout xmlns:a="http://schemas.openxmlformats.org/drawingml/2006/main" xmlns:r="http://schemas.openxmlformats.org/officeDocument/2006/relationships" xmlns:p="http://schemas.openxmlformats.org/presentationml/2006/main" preserve="1">
+  <p:cSld name="Title and Caption">
+    <p:spTree>
+      <p:nvGrpSpPr>
+        <p:cNvPr id="1" name=""/>
+        <p:cNvGrpSpPr/>
+        <p:nvPr/>
+      </p:nvGrpSpPr>
+      <p:grpSpPr>
+        <a:xfrm>
+          <a:off x="0" y="0"/>
+          <a:ext cx="0" cy="0"/>
+          <a:chOff x="0" y="0"/>
+          <a:chExt cx="0" cy="0"/>
+        </a:xfrm>
+      </p:grpSpPr>
+      <p:sp>
+        <p:nvSpPr>
+          <p:cNvPr id="2" name="Title 1"/>
+          <p:cNvSpPr>
+            <a:spLocks noGrp="1"/>
+          </p:cNvSpPr>
+          <p:nvPr>
+            <p:ph type="title"/>
+          </p:nvPr>
+        </p:nvSpPr>
+        <p:spPr>
+          <a:xfrm>
+            <a:off x="677335" y="609600"/>
+            <a:ext cx="8596668" cy="3403600"/>
+          </a:xfrm>
+        </p:spPr>
+        <p:txBody>
+          <a:bodyPr anchor="ctr">
+            <a:normAutofit/>
+          </a:bodyPr>
+          <a:lstStyle>
+            <a:lvl1pPr algn="l">
+              <a:defRPr sz="4400" b="0" cap="none"/>
+            </a:lvl1pPr>
+          </a:lstStyle>
+          <a:p>
+            <a:r>
+              <a:rPr lang="en-US"/>
+              <a:t>Click to edit Master title style</a:t>
+            </a:r>
+            <a:endParaRPr lang="en-US" dirty="0"/>
+          </a:p>
+        </p:txBody>
+      </p:sp>
+      <p:sp>
+        <p:nvSpPr>
+          <p:cNvPr id="3" name="Text Placeholder 2"/>
+          <p:cNvSpPr>
+            <a:spLocks noGrp="1"/>
+          </p:cNvSpPr>
+          <p:nvPr>
+            <p:ph type="body" idx="1"/>
+          </p:nvPr>
+        </p:nvSpPr>
+        <p:spPr>
+          <a:xfrm>
+            <a:off x="677335" y="4470400"/>
+            <a:ext cx="8596668" cy="1570962"/>
+          </a:xfrm>
+        </p:spPr>
+        <p:txBody>
+          <a:bodyPr anchor="ctr">
+            <a:normAutofit/>
+          </a:bodyPr>
+          <a:lstStyle>
+            <a:lvl1pPr marL="0" indent="0" algn="l">
+              <a:buNone/>
+              <a:defRPr sz="1800">
+                <a:solidFill>
+                  <a:schemeClr val="tx1">
+                    <a:lumMod val="75000"/>
+                    <a:lumOff val="25000"/>
+                  </a:schemeClr>
+                </a:solidFill>
+              </a:defRPr>
+            </a:lvl1pPr>
+            <a:lvl2pPr marL="457200" indent="0">
+              <a:buNone/>
+              <a:defRPr sz="1800">
+                <a:solidFill>
+                  <a:schemeClr val="tx1">
+                    <a:tint val="75000"/>
+                  </a:schemeClr>
+                </a:solidFill>
+              </a:defRPr>
+            </a:lvl2pPr>
+            <a:lvl3pPr marL="914400" indent="0">
+              <a:buNone/>
+              <a:defRPr sz="1600">
+                <a:solidFill>
+                  <a:schemeClr val="tx1">
+                    <a:tint val="75000"/>
+                  </a:schemeClr>
+                </a:solidFill>
+              </a:defRPr>
+            </a:lvl3pPr>
+            <a:lvl4pPr marL="1371600" indent="0">
+              <a:buNone/>
+              <a:defRPr sz="1400">
+                <a:solidFill>
+                  <a:schemeClr val="tx1">
+                    <a:tint val="75000"/>
+                  </a:schemeClr>
+                </a:solidFill>
+              </a:defRPr>
+            </a:lvl4pPr>
+            <a:lvl5pPr marL="1828800" indent="0">
+              <a:buNone/>
+              <a:defRPr sz="1400">
+                <a:solidFill>
+                  <a:schemeClr val="tx1">
+                    <a:tint val="75000"/>
+                  </a:schemeClr>
+                </a:solidFill>
+              </a:defRPr>
+            </a:lvl5pPr>
+            <a:lvl6pPr marL="2286000" indent="0">
+              <a:buNone/>
+              <a:defRPr sz="1400">
+                <a:solidFill>
+                  <a:schemeClr val="tx1">
+                    <a:tint val="75000"/>
+                  </a:schemeClr>
+                </a:solidFill>
+              </a:defRPr>
+            </a:lvl6pPr>
+            <a:lvl7pPr marL="2743200" indent="0">
+              <a:buNone/>
+              <a:defRPr sz="1400">
+                <a:solidFill>
+                  <a:schemeClr val="tx1">
+                    <a:tint val="75000"/>
+                  </a:schemeClr>
+                </a:solidFill>
+              </a:defRPr>
+            </a:lvl7pPr>
+            <a:lvl8pPr marL="3200400" indent="0">
+              <a:buNone/>
+              <a:defRPr sz="1400">
+                <a:solidFill>
+                  <a:schemeClr val="tx1">
+                    <a:tint val="75000"/>
+                  </a:schemeClr>
+                </a:solidFill>
+              </a:defRPr>
+            </a:lvl8pPr>
+            <a:lvl9pPr marL="3657600" indent="0">
+              <a:buNone/>
+              <a:defRPr sz="1400">
+                <a:solidFill>
+                  <a:schemeClr val="tx1">
+                    <a:tint val="75000"/>
+                  </a:schemeClr>
+                </a:solidFill>
+              </a:defRPr>
+            </a:lvl9pPr>
+          </a:lstStyle>
+          <a:p>
+            <a:pPr lvl="0"/>
+            <a:r>
+              <a:rPr lang="en-US"/>
+              <a:t>Click to edit Master text styles</a:t>
+            </a:r>
+          </a:p>
+        </p:txBody>
+      </p:sp>
+      <p:sp>
+        <p:nvSpPr>
+          <p:cNvPr id="4" name="Date Placeholder 3"/>
+          <p:cNvSpPr>
+            <a:spLocks noGrp="1"/>
+          </p:cNvSpPr>
+          <p:nvPr>
+            <p:ph type="dt" sz="half" idx="10"/>
+          </p:nvPr>
+        </p:nvSpPr>
+        <p:spPr/>
+        <p:txBody>
+          <a:bodyPr/>
+          <a:lstStyle/>
+          <a:p>
+            <a:fld id="{09FE77F2-FD67-4623-8EC6-C4EDA26E065A}" type="datetimeFigureOut">
+              <a:rPr lang="en-IN" smtClean="0"/>
+              <a:t>26-09-2021</a:t>
+            </a:fld>
+            <a:endParaRPr lang="en-IN"/>
+          </a:p>
+        </p:txBody>
+      </p:sp>
+      <p:sp>
+        <p:nvSpPr>
+          <p:cNvPr id="5" name="Footer Placeholder 4"/>
+          <p:cNvSpPr>
+            <a:spLocks noGrp="1"/>
+          </p:cNvSpPr>
+          <p:nvPr>
+            <p:ph type="ftr" sz="quarter" idx="11"/>
+          </p:nvPr>
+        </p:nvSpPr>
+        <p:spPr/>
+        <p:txBody>
+          <a:bodyPr/>
+          <a:lstStyle/>
+          <a:p>
+            <a:endParaRPr lang="en-IN"/>
+          </a:p>
+        </p:txBody>
+      </p:sp>
+      <p:sp>
+        <p:nvSpPr>
+          <p:cNvPr id="6" name="Slide Number Placeholder 5"/>
+          <p:cNvSpPr>
+            <a:spLocks noGrp="1"/>
+          </p:cNvSpPr>
+          <p:nvPr>
+            <p:ph type="sldNum" sz="quarter" idx="12"/>
+          </p:nvPr>
+        </p:nvSpPr>
+        <p:spPr/>
+        <p:txBody>
+          <a:bodyPr/>
+          <a:lstStyle/>
+          <a:p>
+            <a:fld id="{DFDDE58A-BC98-4300-B86D-22C199082C93}" type="slidenum">
+              <a:rPr lang="en-IN" smtClean="0"/>
+              <a:t>‹#›</a:t>
+            </a:fld>
+            <a:endParaRPr lang="en-IN"/>
+          </a:p>
+        </p:txBody>
+      </p:sp>
+    </p:spTree>
+    <p:extLst>
+      <p:ext uri="{BB962C8B-B14F-4D97-AF65-F5344CB8AC3E}">
+        <p14:creationId xmlns:p14="http://schemas.microsoft.com/office/powerpoint/2010/main" val="852178194"/>
+      </p:ext>
+    </p:extLst>
+  </p:cSld>
+  <p:clrMapOvr>
+    <a:masterClrMapping/>
+  </p:clrMapOvr>
+</p:sldLayout>
+</file>
+
+<file path=ppt/slideLayouts/slideLayout11.xml><?xml version="1.0" encoding="utf-8"?>
+<p:sldLayout xmlns:a="http://schemas.openxmlformats.org/drawingml/2006/main" xmlns:r="http://schemas.openxmlformats.org/officeDocument/2006/relationships" xmlns:p="http://schemas.openxmlformats.org/presentationml/2006/main" preserve="1">
+  <p:cSld name="Quote with Caption">
+    <p:spTree>
+      <p:nvGrpSpPr>
+        <p:cNvPr id="1" name=""/>
+        <p:cNvGrpSpPr/>
+        <p:nvPr/>
+      </p:nvGrpSpPr>
+      <p:grpSpPr>
+        <a:xfrm>
+          <a:off x="0" y="0"/>
+          <a:ext cx="0" cy="0"/>
+          <a:chOff x="0" y="0"/>
+          <a:chExt cx="0" cy="0"/>
+        </a:xfrm>
+      </p:grpSpPr>
+      <p:sp>
+        <p:nvSpPr>
+          <p:cNvPr id="2" name="Title 1"/>
+          <p:cNvSpPr>
+            <a:spLocks noGrp="1"/>
+          </p:cNvSpPr>
+          <p:nvPr>
+            <p:ph type="title"/>
+          </p:nvPr>
+        </p:nvSpPr>
+        <p:spPr>
+          <a:xfrm>
+            <a:off x="931334" y="609600"/>
+            <a:ext cx="8094134" cy="3022600"/>
+          </a:xfrm>
+        </p:spPr>
+        <p:txBody>
+          <a:bodyPr anchor="ctr">
+            <a:normAutofit/>
+          </a:bodyPr>
+          <a:lstStyle>
+            <a:lvl1pPr algn="l">
+              <a:defRPr sz="4400" b="0" cap="none"/>
+            </a:lvl1pPr>
+          </a:lstStyle>
+          <a:p>
+            <a:r>
+              <a:rPr lang="en-US"/>
+              <a:t>Click to edit Master title style</a:t>
+            </a:r>
+            <a:endParaRPr lang="en-US" dirty="0"/>
+          </a:p>
+        </p:txBody>
+      </p:sp>
+      <p:sp>
+        <p:nvSpPr>
+          <p:cNvPr id="23" name="Text Placeholder 9"/>
+          <p:cNvSpPr>
+            <a:spLocks noGrp="1"/>
+          </p:cNvSpPr>
+          <p:nvPr>
+            <p:ph type="body" sz="quarter" idx="13"/>
+          </p:nvPr>
+        </p:nvSpPr>
+        <p:spPr>
+          <a:xfrm>
+            <a:off x="1366139" y="3632200"/>
+            <a:ext cx="7224524" cy="381000"/>
+          </a:xfrm>
+        </p:spPr>
+        <p:txBody>
+          <a:bodyPr anchor="ctr">
+            <a:noAutofit/>
+          </a:bodyPr>
+          <a:lstStyle>
+            <a:lvl1pPr marL="0" indent="0">
+              <a:buFontTx/>
+              <a:buNone/>
+              <a:defRPr sz="1600">
+                <a:solidFill>
+                  <a:schemeClr val="tx1">
+                    <a:lumMod val="50000"/>
+                    <a:lumOff val="50000"/>
+                  </a:schemeClr>
+                </a:solidFill>
+              </a:defRPr>
+            </a:lvl1pPr>
+            <a:lvl2pPr marL="457200" indent="0">
+              <a:buFontTx/>
+              <a:buNone/>
+              <a:defRPr/>
+            </a:lvl2pPr>
+            <a:lvl3pPr marL="914400" indent="0">
+              <a:buFontTx/>
+              <a:buNone/>
+              <a:defRPr/>
+            </a:lvl3pPr>
+            <a:lvl4pPr marL="1371600" indent="0">
+              <a:buFontTx/>
+              <a:buNone/>
+              <a:defRPr/>
+            </a:lvl4pPr>
+            <a:lvl5pPr marL="1828800" indent="0">
+              <a:buFontTx/>
+              <a:buNone/>
+              <a:defRPr/>
+            </a:lvl5pPr>
+          </a:lstStyle>
+          <a:p>
+            <a:pPr lvl="0"/>
+            <a:r>
+              <a:rPr lang="en-US"/>
+              <a:t>Click to edit Master text styles</a:t>
+            </a:r>
+          </a:p>
+        </p:txBody>
+      </p:sp>
+      <p:sp>
+        <p:nvSpPr>
+          <p:cNvPr id="3" name="Text Placeholder 2"/>
+          <p:cNvSpPr>
+            <a:spLocks noGrp="1"/>
+          </p:cNvSpPr>
+          <p:nvPr>
+            <p:ph type="body" idx="1"/>
+          </p:nvPr>
+        </p:nvSpPr>
+        <p:spPr>
+          <a:xfrm>
+            <a:off x="677335" y="4470400"/>
+            <a:ext cx="8596668" cy="1570962"/>
+          </a:xfrm>
+        </p:spPr>
+        <p:txBody>
+          <a:bodyPr anchor="ctr">
+            <a:normAutofit/>
+          </a:bodyPr>
+          <a:lstStyle>
+            <a:lvl1pPr marL="0" indent="0" algn="l">
+              <a:buNone/>
+              <a:defRPr sz="1800">
+                <a:solidFill>
+                  <a:schemeClr val="tx1">
+                    <a:lumMod val="75000"/>
+                    <a:lumOff val="25000"/>
+                  </a:schemeClr>
+                </a:solidFill>
+              </a:defRPr>
+            </a:lvl1pPr>
+            <a:lvl2pPr marL="457200" indent="0">
+              <a:buNone/>
+              <a:defRPr sz="1800">
+                <a:solidFill>
+                  <a:schemeClr val="tx1">
+                    <a:tint val="75000"/>
+                  </a:schemeClr>
+                </a:solidFill>
+              </a:defRPr>
+            </a:lvl2pPr>
+            <a:lvl3pPr marL="914400" indent="0">
+              <a:buNone/>
+              <a:defRPr sz="1600">
+                <a:solidFill>
+                  <a:schemeClr val="tx1">
+                    <a:tint val="75000"/>
+                  </a:schemeClr>
+                </a:solidFill>
+              </a:defRPr>
+            </a:lvl3pPr>
+            <a:lvl4pPr marL="1371600" indent="0">
+              <a:buNone/>
+              <a:defRPr sz="1400">
+                <a:solidFill>
+                  <a:schemeClr val="tx1">
+                    <a:tint val="75000"/>
+                  </a:schemeClr>
+                </a:solidFill>
+              </a:defRPr>
+            </a:lvl4pPr>
+            <a:lvl5pPr marL="1828800" indent="0">
+              <a:buNone/>
+              <a:defRPr sz="1400">
+                <a:solidFill>
+                  <a:schemeClr val="tx1">
+                    <a:tint val="75000"/>
+                  </a:schemeClr>
+                </a:solidFill>
+              </a:defRPr>
+            </a:lvl5pPr>
+            <a:lvl6pPr marL="2286000" indent="0">
+              <a:buNone/>
+              <a:defRPr sz="1400">
+                <a:solidFill>
+                  <a:schemeClr val="tx1">
+                    <a:tint val="75000"/>
+                  </a:schemeClr>
+                </a:solidFill>
+              </a:defRPr>
+            </a:lvl6pPr>
+            <a:lvl7pPr marL="2743200" indent="0">
+              <a:buNone/>
+              <a:defRPr sz="1400">
+                <a:solidFill>
+                  <a:schemeClr val="tx1">
+                    <a:tint val="75000"/>
+                  </a:schemeClr>
+                </a:solidFill>
+              </a:defRPr>
+            </a:lvl7pPr>
+            <a:lvl8pPr marL="3200400" indent="0">
+              <a:buNone/>
+              <a:defRPr sz="1400">
+                <a:solidFill>
+                  <a:schemeClr val="tx1">
+                    <a:tint val="75000"/>
+                  </a:schemeClr>
+                </a:solidFill>
+              </a:defRPr>
+            </a:lvl8pPr>
+            <a:lvl9pPr marL="3657600" indent="0">
+              <a:buNone/>
+              <a:defRPr sz="1400">
+                <a:solidFill>
+                  <a:schemeClr val="tx1">
+                    <a:tint val="75000"/>
+                  </a:schemeClr>
+                </a:solidFill>
+              </a:defRPr>
+            </a:lvl9pPr>
+          </a:lstStyle>
+          <a:p>
+            <a:pPr lvl="0"/>
+            <a:r>
+              <a:rPr lang="en-US"/>
+              <a:t>Click to edit Master text styles</a:t>
+            </a:r>
+          </a:p>
+        </p:txBody>
+      </p:sp>
+      <p:sp>
+        <p:nvSpPr>
+          <p:cNvPr id="4" name="Date Placeholder 3"/>
+          <p:cNvSpPr>
+            <a:spLocks noGrp="1"/>
+          </p:cNvSpPr>
+          <p:nvPr>
+            <p:ph type="dt" sz="half" idx="10"/>
+          </p:nvPr>
+        </p:nvSpPr>
+        <p:spPr/>
+        <p:txBody>
+          <a:bodyPr/>
+          <a:lstStyle/>
+          <a:p>
+            <a:fld id="{09FE77F2-FD67-4623-8EC6-C4EDA26E065A}" type="datetimeFigureOut">
+              <a:rPr lang="en-IN" smtClean="0"/>
+              <a:t>26-09-2021</a:t>
+            </a:fld>
+            <a:endParaRPr lang="en-IN"/>
+          </a:p>
+        </p:txBody>
+      </p:sp>
+      <p:sp>
+        <p:nvSpPr>
+          <p:cNvPr id="5" name="Footer Placeholder 4"/>
+          <p:cNvSpPr>
+            <a:spLocks noGrp="1"/>
+          </p:cNvSpPr>
+          <p:nvPr>
+            <p:ph type="ftr" sz="quarter" idx="11"/>
+          </p:nvPr>
+        </p:nvSpPr>
+        <p:spPr/>
+        <p:txBody>
+          <a:bodyPr/>
+          <a:lstStyle/>
+          <a:p>
+            <a:endParaRPr lang="en-IN"/>
+          </a:p>
+        </p:txBody>
+      </p:sp>
+      <p:sp>
+        <p:nvSpPr>
+          <p:cNvPr id="6" name="Slide Number Placeholder 5"/>
+          <p:cNvSpPr>
+            <a:spLocks noGrp="1"/>
+          </p:cNvSpPr>
+          <p:nvPr>
+            <p:ph type="sldNum" sz="quarter" idx="12"/>
+          </p:nvPr>
+        </p:nvSpPr>
+        <p:spPr/>
+        <p:txBody>
+          <a:bodyPr/>
+          <a:lstStyle/>
+          <a:p>
+            <a:fld id="{DFDDE58A-BC98-4300-B86D-22C199082C93}" type="slidenum">
+              <a:rPr lang="en-IN" smtClean="0"/>
+              <a:t>‹#›</a:t>
+            </a:fld>
+            <a:endParaRPr lang="en-IN"/>
+          </a:p>
+        </p:txBody>
+      </p:sp>
+      <p:sp>
+        <p:nvSpPr>
+          <p:cNvPr id="20" name="TextBox 19"/>
+          <p:cNvSpPr txBox="1"/>
+          <p:nvPr/>
+        </p:nvSpPr>
+        <p:spPr>
+          <a:xfrm>
+            <a:off x="541870" y="790378"/>
+            <a:ext cx="609600" cy="584776"/>
+          </a:xfrm>
+          <a:prstGeom prst="rect">
+            <a:avLst/>
+          </a:prstGeom>
+        </p:spPr>
+        <p:txBody>
+          <a:bodyPr vert="horz" lIns="91440" tIns="45720" rIns="91440" bIns="45720" rtlCol="0" anchor="ctr">
+            <a:noAutofit/>
+          </a:bodyPr>
+          <a:lstStyle/>
+          <a:p>
+            <a:pPr lvl="0"/>
+            <a:r>
+              <a:rPr lang="en-US" sz="8000" baseline="0" dirty="0">
+                <a:ln w="3175" cmpd="sng">
+                  <a:noFill/>
+                </a:ln>
+                <a:solidFill>
+                  <a:schemeClr val="accent1">
+                    <a:lumMod val="60000"/>
+                    <a:lumOff val="40000"/>
+                  </a:schemeClr>
+                </a:solidFill>
+                <a:effectLst/>
+                <a:latin typeface="Arial"/>
+              </a:rPr>
+              <a:t>“</a:t>
+            </a:r>
+          </a:p>
+        </p:txBody>
+      </p:sp>
+      <p:sp>
+        <p:nvSpPr>
+          <p:cNvPr id="22" name="TextBox 21"/>
+          <p:cNvSpPr txBox="1"/>
+          <p:nvPr/>
+        </p:nvSpPr>
+        <p:spPr>
+          <a:xfrm>
+            <a:off x="8893011" y="2886556"/>
+            <a:ext cx="609600" cy="584776"/>
+          </a:xfrm>
+          <a:prstGeom prst="rect">
+            <a:avLst/>
+          </a:prstGeom>
+        </p:spPr>
+        <p:txBody>
+          <a:bodyPr vert="horz" lIns="91440" tIns="45720" rIns="91440" bIns="45720" rtlCol="0" anchor="ctr">
+            <a:noAutofit/>
+          </a:bodyPr>
+          <a:lstStyle/>
+          <a:p>
+            <a:pPr lvl="0"/>
+            <a:r>
+              <a:rPr lang="en-US" sz="8000" baseline="0" dirty="0">
+                <a:ln w="3175" cmpd="sng">
+                  <a:noFill/>
+                </a:ln>
+                <a:solidFill>
+                  <a:schemeClr val="accent1">
+                    <a:lumMod val="60000"/>
+                    <a:lumOff val="40000"/>
+                  </a:schemeClr>
+                </a:solidFill>
+                <a:latin typeface="Arial"/>
+              </a:rPr>
+              <a:t>”</a:t>
+            </a:r>
+            <a:endParaRPr lang="en-US" dirty="0">
+              <a:solidFill>
+                <a:schemeClr val="accent1">
+                  <a:lumMod val="60000"/>
+                  <a:lumOff val="40000"/>
+                </a:schemeClr>
+              </a:solidFill>
+              <a:latin typeface="Arial"/>
+            </a:endParaRPr>
+          </a:p>
+        </p:txBody>
+      </p:sp>
+    </p:spTree>
+    <p:extLst>
+      <p:ext uri="{BB962C8B-B14F-4D97-AF65-F5344CB8AC3E}">
+        <p14:creationId xmlns:p14="http://schemas.microsoft.com/office/powerpoint/2010/main" val="2426306216"/>
+      </p:ext>
+    </p:extLst>
+  </p:cSld>
+  <p:clrMapOvr>
+    <a:masterClrMapping/>
+  </p:clrMapOvr>
+</p:sldLayout>
+</file>
+
+<file path=ppt/slideLayouts/slideLayout12.xml><?xml version="1.0" encoding="utf-8"?>
+<p:sldLayout xmlns:a="http://schemas.openxmlformats.org/drawingml/2006/main" xmlns:r="http://schemas.openxmlformats.org/officeDocument/2006/relationships" xmlns:p="http://schemas.openxmlformats.org/presentationml/2006/main" preserve="1">
+  <p:cSld name="Name Card">
+    <p:spTree>
+      <p:nvGrpSpPr>
+        <p:cNvPr id="1" name=""/>
+        <p:cNvGrpSpPr/>
+        <p:nvPr/>
+      </p:nvGrpSpPr>
+      <p:grpSpPr>
+        <a:xfrm>
+          <a:off x="0" y="0"/>
+          <a:ext cx="0" cy="0"/>
+          <a:chOff x="0" y="0"/>
+          <a:chExt cx="0" cy="0"/>
+        </a:xfrm>
+      </p:grpSpPr>
+      <p:sp>
+        <p:nvSpPr>
+          <p:cNvPr id="2" name="Title 1"/>
+          <p:cNvSpPr>
+            <a:spLocks noGrp="1"/>
+          </p:cNvSpPr>
+          <p:nvPr>
+            <p:ph type="title"/>
+          </p:nvPr>
+        </p:nvSpPr>
+        <p:spPr>
+          <a:xfrm>
+            <a:off x="677335" y="1931988"/>
+            <a:ext cx="8596668" cy="2595460"/>
+          </a:xfrm>
+        </p:spPr>
+        <p:txBody>
+          <a:bodyPr anchor="b">
+            <a:normAutofit/>
+          </a:bodyPr>
+          <a:lstStyle>
+            <a:lvl1pPr algn="l">
+              <a:defRPr sz="4400" b="0" cap="none"/>
+            </a:lvl1pPr>
+          </a:lstStyle>
+          <a:p>
+            <a:r>
+              <a:rPr lang="en-US"/>
+              <a:t>Click to edit Master title style</a:t>
+            </a:r>
+            <a:endParaRPr lang="en-US" dirty="0"/>
+          </a:p>
+        </p:txBody>
+      </p:sp>
+      <p:sp>
+        <p:nvSpPr>
+          <p:cNvPr id="3" name="Text Placeholder 2"/>
+          <p:cNvSpPr>
+            <a:spLocks noGrp="1"/>
+          </p:cNvSpPr>
+          <p:nvPr>
+            <p:ph type="body" idx="1"/>
+          </p:nvPr>
+        </p:nvSpPr>
+        <p:spPr>
+          <a:xfrm>
+            <a:off x="677335" y="4527448"/>
+            <a:ext cx="8596668" cy="1513914"/>
+          </a:xfrm>
+        </p:spPr>
+        <p:txBody>
+          <a:bodyPr anchor="t">
+            <a:normAutofit/>
+          </a:bodyPr>
+          <a:lstStyle>
+            <a:lvl1pPr marL="0" indent="0" algn="l">
+              <a:buNone/>
+              <a:defRPr sz="1800">
+                <a:solidFill>
+                  <a:schemeClr val="tx1">
+                    <a:lumMod val="75000"/>
+                    <a:lumOff val="25000"/>
+                  </a:schemeClr>
+                </a:solidFill>
+              </a:defRPr>
+            </a:lvl1pPr>
+            <a:lvl2pPr marL="457200" indent="0">
+              <a:buNone/>
+              <a:defRPr sz="1800">
+                <a:solidFill>
+                  <a:schemeClr val="tx1">
+                    <a:tint val="75000"/>
+                  </a:schemeClr>
+                </a:solidFill>
+              </a:defRPr>
+            </a:lvl2pPr>
+            <a:lvl3pPr marL="914400" indent="0">
+              <a:buNone/>
+              <a:defRPr sz="1600">
+                <a:solidFill>
+                  <a:schemeClr val="tx1">
+                    <a:tint val="75000"/>
+                  </a:schemeClr>
+                </a:solidFill>
+              </a:defRPr>
+            </a:lvl3pPr>
+            <a:lvl4pPr marL="1371600" indent="0">
+              <a:buNone/>
+              <a:defRPr sz="1400">
+                <a:solidFill>
+                  <a:schemeClr val="tx1">
+                    <a:tint val="75000"/>
+                  </a:schemeClr>
+                </a:solidFill>
+              </a:defRPr>
+            </a:lvl4pPr>
+            <a:lvl5pPr marL="1828800" indent="0">
+              <a:buNone/>
+              <a:defRPr sz="1400">
+                <a:solidFill>
+                  <a:schemeClr val="tx1">
+                    <a:tint val="75000"/>
+                  </a:schemeClr>
+                </a:solidFill>
+              </a:defRPr>
+            </a:lvl5pPr>
+            <a:lvl6pPr marL="2286000" indent="0">
+              <a:buNone/>
+              <a:defRPr sz="1400">
+                <a:solidFill>
+                  <a:schemeClr val="tx1">
+                    <a:tint val="75000"/>
+                  </a:schemeClr>
+                </a:solidFill>
+              </a:defRPr>
+            </a:lvl6pPr>
+            <a:lvl7pPr marL="2743200" indent="0">
+              <a:buNone/>
+              <a:defRPr sz="1400">
+                <a:solidFill>
+                  <a:schemeClr val="tx1">
+                    <a:tint val="75000"/>
+                  </a:schemeClr>
+                </a:solidFill>
+              </a:defRPr>
+            </a:lvl7pPr>
+            <a:lvl8pPr marL="3200400" indent="0">
+              <a:buNone/>
+              <a:defRPr sz="1400">
+                <a:solidFill>
+                  <a:schemeClr val="tx1">
+                    <a:tint val="75000"/>
+                  </a:schemeClr>
+                </a:solidFill>
+              </a:defRPr>
+            </a:lvl8pPr>
+            <a:lvl9pPr marL="3657600" indent="0">
+              <a:buNone/>
+              <a:defRPr sz="1400">
+                <a:solidFill>
+                  <a:schemeClr val="tx1">
+                    <a:tint val="75000"/>
+                  </a:schemeClr>
+                </a:solidFill>
+              </a:defRPr>
+            </a:lvl9pPr>
+          </a:lstStyle>
+          <a:p>
+            <a:pPr lvl="0"/>
+            <a:r>
+              <a:rPr lang="en-US"/>
+              <a:t>Click to edit Master text styles</a:t>
+            </a:r>
+          </a:p>
+        </p:txBody>
+      </p:sp>
+      <p:sp>
+        <p:nvSpPr>
+          <p:cNvPr id="4" name="Date Placeholder 3"/>
+          <p:cNvSpPr>
+            <a:spLocks noGrp="1"/>
+          </p:cNvSpPr>
+          <p:nvPr>
+            <p:ph type="dt" sz="half" idx="10"/>
+          </p:nvPr>
+        </p:nvSpPr>
+        <p:spPr/>
+        <p:txBody>
+          <a:bodyPr/>
+          <a:lstStyle/>
+          <a:p>
+            <a:fld id="{09FE77F2-FD67-4623-8EC6-C4EDA26E065A}" type="datetimeFigureOut">
+              <a:rPr lang="en-IN" smtClean="0"/>
+              <a:t>26-09-2021</a:t>
+            </a:fld>
+            <a:endParaRPr lang="en-IN"/>
+          </a:p>
+        </p:txBody>
+      </p:sp>
+      <p:sp>
+        <p:nvSpPr>
+          <p:cNvPr id="5" name="Footer Placeholder 4"/>
+          <p:cNvSpPr>
+            <a:spLocks noGrp="1"/>
+          </p:cNvSpPr>
+          <p:nvPr>
+            <p:ph type="ftr" sz="quarter" idx="11"/>
+          </p:nvPr>
+        </p:nvSpPr>
+        <p:spPr/>
+        <p:txBody>
+          <a:bodyPr/>
+          <a:lstStyle/>
+          <a:p>
+            <a:endParaRPr lang="en-IN"/>
+          </a:p>
+        </p:txBody>
+      </p:sp>
+      <p:sp>
+        <p:nvSpPr>
+          <p:cNvPr id="6" name="Slide Number Placeholder 5"/>
+          <p:cNvSpPr>
+            <a:spLocks noGrp="1"/>
+          </p:cNvSpPr>
+          <p:nvPr>
+            <p:ph type="sldNum" sz="quarter" idx="12"/>
+          </p:nvPr>
+        </p:nvSpPr>
+        <p:spPr/>
+        <p:txBody>
+          <a:bodyPr/>
+          <a:lstStyle/>
+          <a:p>
+            <a:fld id="{DFDDE58A-BC98-4300-B86D-22C199082C93}" type="slidenum">
+              <a:rPr lang="en-IN" smtClean="0"/>
+              <a:t>‹#›</a:t>
+            </a:fld>
+            <a:endParaRPr lang="en-IN"/>
+          </a:p>
+        </p:txBody>
+      </p:sp>
+    </p:spTree>
+    <p:extLst>
+      <p:ext uri="{BB962C8B-B14F-4D97-AF65-F5344CB8AC3E}">
+        <p14:creationId xmlns:p14="http://schemas.microsoft.com/office/powerpoint/2010/main" val="1765488379"/>
+      </p:ext>
+    </p:extLst>
+  </p:cSld>
+  <p:clrMapOvr>
+    <a:masterClrMapping/>
+  </p:clrMapOvr>
+</p:sldLayout>
+</file>
+
+<file path=ppt/slideLayouts/slideLayout13.xml><?xml version="1.0" encoding="utf-8"?>
+<p:sldLayout xmlns:a="http://schemas.openxmlformats.org/drawingml/2006/main" xmlns:r="http://schemas.openxmlformats.org/officeDocument/2006/relationships" xmlns:p="http://schemas.openxmlformats.org/presentationml/2006/main" preserve="1">
+  <p:cSld name="Quote Name Card">
+    <p:spTree>
+      <p:nvGrpSpPr>
+        <p:cNvPr id="1" name=""/>
+        <p:cNvGrpSpPr/>
+        <p:nvPr/>
+      </p:nvGrpSpPr>
+      <p:grpSpPr>
+        <a:xfrm>
+          <a:off x="0" y="0"/>
+          <a:ext cx="0" cy="0"/>
+          <a:chOff x="0" y="0"/>
+          <a:chExt cx="0" cy="0"/>
+        </a:xfrm>
+      </p:grpSpPr>
+      <p:sp>
+        <p:nvSpPr>
+          <p:cNvPr id="2" name="Title 1"/>
+          <p:cNvSpPr>
+            <a:spLocks noGrp="1"/>
+          </p:cNvSpPr>
+          <p:nvPr>
+            <p:ph type="title"/>
+          </p:nvPr>
+        </p:nvSpPr>
+        <p:spPr>
+          <a:xfrm>
+            <a:off x="931334" y="609600"/>
+            <a:ext cx="8094134" cy="3022600"/>
+          </a:xfrm>
+        </p:spPr>
+        <p:txBody>
+          <a:bodyPr anchor="ctr">
+            <a:normAutofit/>
+          </a:bodyPr>
+          <a:lstStyle>
+            <a:lvl1pPr algn="l">
+              <a:defRPr sz="4400" b="0" cap="none"/>
+            </a:lvl1pPr>
+          </a:lstStyle>
+          <a:p>
+            <a:r>
+              <a:rPr lang="en-US"/>
+              <a:t>Click to edit Master title style</a:t>
+            </a:r>
+            <a:endParaRPr lang="en-US" dirty="0"/>
+          </a:p>
+        </p:txBody>
+      </p:sp>
+      <p:sp>
+        <p:nvSpPr>
+          <p:cNvPr id="23" name="Text Placeholder 9"/>
+          <p:cNvSpPr>
+            <a:spLocks noGrp="1"/>
+          </p:cNvSpPr>
+          <p:nvPr>
+            <p:ph type="body" sz="quarter" idx="13"/>
+          </p:nvPr>
+        </p:nvSpPr>
+        <p:spPr>
+          <a:xfrm>
+            <a:off x="677332" y="4013200"/>
+            <a:ext cx="8596669" cy="514248"/>
+          </a:xfrm>
+        </p:spPr>
+        <p:txBody>
+          <a:bodyPr anchor="b">
+            <a:noAutofit/>
+          </a:bodyPr>
+          <a:lstStyle>
+            <a:lvl1pPr marL="0" indent="0">
+              <a:buFontTx/>
+              <a:buNone/>
+              <a:defRPr sz="2400">
+                <a:solidFill>
+                  <a:schemeClr val="tx1">
+                    <a:lumMod val="75000"/>
+                    <a:lumOff val="25000"/>
+                  </a:schemeClr>
+                </a:solidFill>
+              </a:defRPr>
+            </a:lvl1pPr>
+            <a:lvl2pPr marL="457200" indent="0">
+              <a:buFontTx/>
+              <a:buNone/>
+              <a:defRPr/>
+            </a:lvl2pPr>
+            <a:lvl3pPr marL="914400" indent="0">
+              <a:buFontTx/>
+              <a:buNone/>
+              <a:defRPr/>
+            </a:lvl3pPr>
+            <a:lvl4pPr marL="1371600" indent="0">
+              <a:buFontTx/>
+              <a:buNone/>
+              <a:defRPr/>
+            </a:lvl4pPr>
+            <a:lvl5pPr marL="1828800" indent="0">
+              <a:buFontTx/>
+              <a:buNone/>
+              <a:defRPr/>
+            </a:lvl5pPr>
+          </a:lstStyle>
+          <a:p>
+            <a:pPr lvl="0"/>
+            <a:r>
+              <a:rPr lang="en-US"/>
+              <a:t>Click to edit Master text styles</a:t>
+            </a:r>
+          </a:p>
+        </p:txBody>
+      </p:sp>
+      <p:sp>
+        <p:nvSpPr>
+          <p:cNvPr id="3" name="Text Placeholder 2"/>
+          <p:cNvSpPr>
+            <a:spLocks noGrp="1"/>
+          </p:cNvSpPr>
+          <p:nvPr>
+            <p:ph type="body" idx="1"/>
+          </p:nvPr>
+        </p:nvSpPr>
+        <p:spPr>
+          <a:xfrm>
+            <a:off x="677335" y="4527448"/>
+            <a:ext cx="8596668" cy="1513914"/>
+          </a:xfrm>
+        </p:spPr>
+        <p:txBody>
+          <a:bodyPr anchor="t">
+            <a:normAutofit/>
+          </a:bodyPr>
+          <a:lstStyle>
+            <a:lvl1pPr marL="0" indent="0" algn="l">
+              <a:buNone/>
+              <a:defRPr sz="1800">
+                <a:solidFill>
+                  <a:schemeClr val="tx1">
+                    <a:lumMod val="50000"/>
+                    <a:lumOff val="50000"/>
+                  </a:schemeClr>
+                </a:solidFill>
+              </a:defRPr>
+            </a:lvl1pPr>
+            <a:lvl2pPr marL="457200" indent="0">
+              <a:buNone/>
+              <a:defRPr sz="1800">
+                <a:solidFill>
+                  <a:schemeClr val="tx1">
+                    <a:tint val="75000"/>
+                  </a:schemeClr>
+                </a:solidFill>
+              </a:defRPr>
+            </a:lvl2pPr>
+            <a:lvl3pPr marL="914400" indent="0">
+              <a:buNone/>
+              <a:defRPr sz="1600">
+                <a:solidFill>
+                  <a:schemeClr val="tx1">
+                    <a:tint val="75000"/>
+                  </a:schemeClr>
+                </a:solidFill>
+              </a:defRPr>
+            </a:lvl3pPr>
+            <a:lvl4pPr marL="1371600" indent="0">
+              <a:buNone/>
+              <a:defRPr sz="1400">
+                <a:solidFill>
+                  <a:schemeClr val="tx1">
+                    <a:tint val="75000"/>
+                  </a:schemeClr>
+                </a:solidFill>
+              </a:defRPr>
+            </a:lvl4pPr>
+            <a:lvl5pPr marL="1828800" indent="0">
+              <a:buNone/>
+              <a:defRPr sz="1400">
+                <a:solidFill>
+                  <a:schemeClr val="tx1">
+                    <a:tint val="75000"/>
+                  </a:schemeClr>
+                </a:solidFill>
+              </a:defRPr>
+            </a:lvl5pPr>
+            <a:lvl6pPr marL="2286000" indent="0">
+              <a:buNone/>
+              <a:defRPr sz="1400">
+                <a:solidFill>
+                  <a:schemeClr val="tx1">
+                    <a:tint val="75000"/>
+                  </a:schemeClr>
+                </a:solidFill>
+              </a:defRPr>
+            </a:lvl6pPr>
+            <a:lvl7pPr marL="2743200" indent="0">
+              <a:buNone/>
+              <a:defRPr sz="1400">
+                <a:solidFill>
+                  <a:schemeClr val="tx1">
+                    <a:tint val="75000"/>
+                  </a:schemeClr>
+                </a:solidFill>
+              </a:defRPr>
+            </a:lvl7pPr>
+            <a:lvl8pPr marL="3200400" indent="0">
+              <a:buNone/>
+              <a:defRPr sz="1400">
+                <a:solidFill>
+                  <a:schemeClr val="tx1">
+                    <a:tint val="75000"/>
+                  </a:schemeClr>
+                </a:solidFill>
+              </a:defRPr>
+            </a:lvl8pPr>
+            <a:lvl9pPr marL="3657600" indent="0">
+              <a:buNone/>
+              <a:defRPr sz="1400">
+                <a:solidFill>
+                  <a:schemeClr val="tx1">
+                    <a:tint val="75000"/>
+                  </a:schemeClr>
+                </a:solidFill>
+              </a:defRPr>
+            </a:lvl9pPr>
+          </a:lstStyle>
+          <a:p>
+            <a:pPr lvl="0"/>
+            <a:r>
+              <a:rPr lang="en-US"/>
+              <a:t>Click to edit Master text styles</a:t>
+            </a:r>
+          </a:p>
+        </p:txBody>
+      </p:sp>
+      <p:sp>
+        <p:nvSpPr>
+          <p:cNvPr id="4" name="Date Placeholder 3"/>
+          <p:cNvSpPr>
+            <a:spLocks noGrp="1"/>
+          </p:cNvSpPr>
+          <p:nvPr>
+            <p:ph type="dt" sz="half" idx="10"/>
+          </p:nvPr>
+        </p:nvSpPr>
+        <p:spPr/>
+        <p:txBody>
+          <a:bodyPr/>
+          <a:lstStyle/>
+          <a:p>
+            <a:fld id="{09FE77F2-FD67-4623-8EC6-C4EDA26E065A}" type="datetimeFigureOut">
+              <a:rPr lang="en-IN" smtClean="0"/>
+              <a:t>26-09-2021</a:t>
+            </a:fld>
+            <a:endParaRPr lang="en-IN"/>
+          </a:p>
+        </p:txBody>
+      </p:sp>
+      <p:sp>
+        <p:nvSpPr>
+          <p:cNvPr id="5" name="Footer Placeholder 4"/>
+          <p:cNvSpPr>
+            <a:spLocks noGrp="1"/>
+          </p:cNvSpPr>
+          <p:nvPr>
+            <p:ph type="ftr" sz="quarter" idx="11"/>
+          </p:nvPr>
+        </p:nvSpPr>
+        <p:spPr/>
+        <p:txBody>
+          <a:bodyPr/>
+          <a:lstStyle/>
+          <a:p>
+            <a:endParaRPr lang="en-IN"/>
+          </a:p>
+        </p:txBody>
+      </p:sp>
+      <p:sp>
+        <p:nvSpPr>
+          <p:cNvPr id="6" name="Slide Number Placeholder 5"/>
+          <p:cNvSpPr>
+            <a:spLocks noGrp="1"/>
+          </p:cNvSpPr>
+          <p:nvPr>
+            <p:ph type="sldNum" sz="quarter" idx="12"/>
+          </p:nvPr>
+        </p:nvSpPr>
+        <p:spPr/>
+        <p:txBody>
+          <a:bodyPr/>
+          <a:lstStyle/>
+          <a:p>
+            <a:fld id="{DFDDE58A-BC98-4300-B86D-22C199082C93}" type="slidenum">
+              <a:rPr lang="en-IN" smtClean="0"/>
+              <a:t>‹#›</a:t>
+            </a:fld>
+            <a:endParaRPr lang="en-IN"/>
+          </a:p>
+        </p:txBody>
+      </p:sp>
+      <p:sp>
+        <p:nvSpPr>
+          <p:cNvPr id="24" name="TextBox 23"/>
+          <p:cNvSpPr txBox="1"/>
+          <p:nvPr/>
+        </p:nvSpPr>
+        <p:spPr>
+          <a:xfrm>
+            <a:off x="541870" y="790378"/>
+            <a:ext cx="609600" cy="584776"/>
+          </a:xfrm>
+          <a:prstGeom prst="rect">
+            <a:avLst/>
+          </a:prstGeom>
+        </p:spPr>
+        <p:txBody>
+          <a:bodyPr vert="horz" lIns="91440" tIns="45720" rIns="91440" bIns="45720" rtlCol="0" anchor="ctr">
+            <a:noAutofit/>
+          </a:bodyPr>
+          <a:lstStyle/>
+          <a:p>
+            <a:pPr lvl="0"/>
+            <a:r>
+              <a:rPr lang="en-US" sz="8000" baseline="0" dirty="0">
+                <a:ln w="3175" cmpd="sng">
+                  <a:noFill/>
+                </a:ln>
+                <a:solidFill>
+                  <a:schemeClr val="accent1">
+                    <a:lumMod val="60000"/>
+                    <a:lumOff val="40000"/>
+                  </a:schemeClr>
+                </a:solidFill>
+                <a:effectLst/>
+                <a:latin typeface="Arial"/>
+              </a:rPr>
+              <a:t>“</a:t>
+            </a:r>
+          </a:p>
+        </p:txBody>
+      </p:sp>
+      <p:sp>
+        <p:nvSpPr>
+          <p:cNvPr id="25" name="TextBox 24"/>
+          <p:cNvSpPr txBox="1"/>
+          <p:nvPr/>
+        </p:nvSpPr>
+        <p:spPr>
+          <a:xfrm>
+            <a:off x="8893011" y="2886556"/>
+            <a:ext cx="609600" cy="584776"/>
+          </a:xfrm>
+          <a:prstGeom prst="rect">
+            <a:avLst/>
+          </a:prstGeom>
+        </p:spPr>
+        <p:txBody>
+          <a:bodyPr vert="horz" lIns="91440" tIns="45720" rIns="91440" bIns="45720" rtlCol="0" anchor="ctr">
+            <a:noAutofit/>
+          </a:bodyPr>
+          <a:lstStyle/>
+          <a:p>
+            <a:pPr lvl="0"/>
+            <a:r>
+              <a:rPr lang="en-US" sz="8000" baseline="0" dirty="0">
+                <a:ln w="3175" cmpd="sng">
+                  <a:noFill/>
+                </a:ln>
+                <a:solidFill>
+                  <a:schemeClr val="accent1">
+                    <a:lumMod val="60000"/>
+                    <a:lumOff val="40000"/>
+                  </a:schemeClr>
+                </a:solidFill>
+                <a:effectLst/>
+                <a:latin typeface="Arial"/>
+              </a:rPr>
+              <a:t>”</a:t>
+            </a:r>
+          </a:p>
+        </p:txBody>
+      </p:sp>
+    </p:spTree>
+    <p:extLst>
+      <p:ext uri="{BB962C8B-B14F-4D97-AF65-F5344CB8AC3E}">
+        <p14:creationId xmlns:p14="http://schemas.microsoft.com/office/powerpoint/2010/main" val="4084328507"/>
+      </p:ext>
+    </p:extLst>
+  </p:cSld>
+  <p:clrMapOvr>
+    <a:masterClrMapping/>
+  </p:clrMapOvr>
+</p:sldLayout>
+</file>
+
+<file path=ppt/slideLayouts/slideLayout14.xml><?xml version="1.0" encoding="utf-8"?>
+<p:sldLayout xmlns:a="http://schemas.openxmlformats.org/drawingml/2006/main" xmlns:r="http://schemas.openxmlformats.org/officeDocument/2006/relationships" xmlns:p="http://schemas.openxmlformats.org/presentationml/2006/main" preserve="1">
+  <p:cSld name="True or False">
+    <p:spTree>
+      <p:nvGrpSpPr>
+        <p:cNvPr id="1" name=""/>
+        <p:cNvGrpSpPr/>
+        <p:nvPr/>
+      </p:nvGrpSpPr>
+      <p:grpSpPr>
+        <a:xfrm>
+          <a:off x="0" y="0"/>
+          <a:ext cx="0" cy="0"/>
+          <a:chOff x="0" y="0"/>
+          <a:chExt cx="0" cy="0"/>
+        </a:xfrm>
+      </p:grpSpPr>
+      <p:sp>
+        <p:nvSpPr>
+          <p:cNvPr id="2" name="Title 1"/>
+          <p:cNvSpPr>
+            <a:spLocks noGrp="1"/>
+          </p:cNvSpPr>
+          <p:nvPr>
+            <p:ph type="title"/>
+          </p:nvPr>
+        </p:nvSpPr>
+        <p:spPr>
+          <a:xfrm>
+            <a:off x="685799" y="609600"/>
+            <a:ext cx="8588203" cy="3022600"/>
+          </a:xfrm>
+        </p:spPr>
+        <p:txBody>
+          <a:bodyPr anchor="ctr">
+            <a:normAutofit/>
+          </a:bodyPr>
+          <a:lstStyle>
+            <a:lvl1pPr algn="l">
+              <a:defRPr sz="4400" b="0" cap="none"/>
+            </a:lvl1pPr>
+          </a:lstStyle>
+          <a:p>
+            <a:r>
+              <a:rPr lang="en-US"/>
+              <a:t>Click to edit Master title style</a:t>
+            </a:r>
+            <a:endParaRPr lang="en-US" dirty="0"/>
+          </a:p>
+        </p:txBody>
+      </p:sp>
+      <p:sp>
+        <p:nvSpPr>
+          <p:cNvPr id="23" name="Text Placeholder 9"/>
+          <p:cNvSpPr>
+            <a:spLocks noGrp="1"/>
+          </p:cNvSpPr>
+          <p:nvPr>
+            <p:ph type="body" sz="quarter" idx="13"/>
+          </p:nvPr>
+        </p:nvSpPr>
+        <p:spPr>
+          <a:xfrm>
+            <a:off x="677332" y="4013200"/>
+            <a:ext cx="8596669" cy="514248"/>
+          </a:xfrm>
+        </p:spPr>
+        <p:txBody>
+          <a:bodyPr anchor="b">
+            <a:noAutofit/>
+          </a:bodyPr>
+          <a:lstStyle>
+            <a:lvl1pPr marL="0" indent="0">
+              <a:buFontTx/>
+              <a:buNone/>
+              <a:defRPr sz="2400">
+                <a:solidFill>
+                  <a:schemeClr val="accent1"/>
+                </a:solidFill>
+              </a:defRPr>
+            </a:lvl1pPr>
+            <a:lvl2pPr marL="457200" indent="0">
+              <a:buFontTx/>
+              <a:buNone/>
+              <a:defRPr/>
+            </a:lvl2pPr>
+            <a:lvl3pPr marL="914400" indent="0">
+              <a:buFontTx/>
+              <a:buNone/>
+              <a:defRPr/>
+            </a:lvl3pPr>
+            <a:lvl4pPr marL="1371600" indent="0">
+              <a:buFontTx/>
+              <a:buNone/>
+              <a:defRPr/>
+            </a:lvl4pPr>
+            <a:lvl5pPr marL="1828800" indent="0">
+              <a:buFontTx/>
+              <a:buNone/>
+              <a:defRPr/>
+            </a:lvl5pPr>
+          </a:lstStyle>
+          <a:p>
+            <a:pPr lvl="0"/>
+            <a:r>
+              <a:rPr lang="en-US"/>
+              <a:t>Click to edit Master text styles</a:t>
+            </a:r>
+          </a:p>
+        </p:txBody>
+      </p:sp>
+      <p:sp>
+        <p:nvSpPr>
+          <p:cNvPr id="3" name="Text Placeholder 2"/>
+          <p:cNvSpPr>
+            <a:spLocks noGrp="1"/>
+          </p:cNvSpPr>
+          <p:nvPr>
+            <p:ph type="body" idx="1"/>
+          </p:nvPr>
+        </p:nvSpPr>
+        <p:spPr>
+          <a:xfrm>
+            <a:off x="677335" y="4527448"/>
+            <a:ext cx="8596668" cy="1513914"/>
+          </a:xfrm>
+        </p:spPr>
+        <p:txBody>
+          <a:bodyPr anchor="t">
+            <a:normAutofit/>
+          </a:bodyPr>
+          <a:lstStyle>
+            <a:lvl1pPr marL="0" indent="0" algn="l">
+              <a:buNone/>
+              <a:defRPr sz="1800">
+                <a:solidFill>
+                  <a:schemeClr val="tx1">
+                    <a:lumMod val="50000"/>
+                    <a:lumOff val="50000"/>
+                  </a:schemeClr>
+                </a:solidFill>
+              </a:defRPr>
+            </a:lvl1pPr>
+            <a:lvl2pPr marL="457200" indent="0">
+              <a:buNone/>
+              <a:defRPr sz="1800">
+                <a:solidFill>
+                  <a:schemeClr val="tx1">
+                    <a:tint val="75000"/>
+                  </a:schemeClr>
+                </a:solidFill>
+              </a:defRPr>
+            </a:lvl2pPr>
+            <a:lvl3pPr marL="914400" indent="0">
+              <a:buNone/>
+              <a:defRPr sz="1600">
+                <a:solidFill>
+                  <a:schemeClr val="tx1">
+                    <a:tint val="75000"/>
+                  </a:schemeClr>
+                </a:solidFill>
+              </a:defRPr>
+            </a:lvl3pPr>
+            <a:lvl4pPr marL="1371600" indent="0">
+              <a:buNone/>
+              <a:defRPr sz="1400">
+                <a:solidFill>
+                  <a:schemeClr val="tx1">
+                    <a:tint val="75000"/>
+                  </a:schemeClr>
+                </a:solidFill>
+              </a:defRPr>
+            </a:lvl4pPr>
+            <a:lvl5pPr marL="1828800" indent="0">
+              <a:buNone/>
+              <a:defRPr sz="1400">
+                <a:solidFill>
+                  <a:schemeClr val="tx1">
+                    <a:tint val="75000"/>
+                  </a:schemeClr>
+                </a:solidFill>
+              </a:defRPr>
+            </a:lvl5pPr>
+            <a:lvl6pPr marL="2286000" indent="0">
+              <a:buNone/>
+              <a:defRPr sz="1400">
+                <a:solidFill>
+                  <a:schemeClr val="tx1">
+                    <a:tint val="75000"/>
+                  </a:schemeClr>
+                </a:solidFill>
+              </a:defRPr>
+            </a:lvl6pPr>
+            <a:lvl7pPr marL="2743200" indent="0">
+              <a:buNone/>
+              <a:defRPr sz="1400">
+                <a:solidFill>
+                  <a:schemeClr val="tx1">
+                    <a:tint val="75000"/>
+                  </a:schemeClr>
+                </a:solidFill>
+              </a:defRPr>
+            </a:lvl7pPr>
+            <a:lvl8pPr marL="3200400" indent="0">
+              <a:buNone/>
+              <a:defRPr sz="1400">
+                <a:solidFill>
+                  <a:schemeClr val="tx1">
+                    <a:tint val="75000"/>
+                  </a:schemeClr>
+                </a:solidFill>
+              </a:defRPr>
+            </a:lvl8pPr>
+            <a:lvl9pPr marL="3657600" indent="0">
+              <a:buNone/>
+              <a:defRPr sz="1400">
+                <a:solidFill>
+                  <a:schemeClr val="tx1">
+                    <a:tint val="75000"/>
+                  </a:schemeClr>
+                </a:solidFill>
+              </a:defRPr>
+            </a:lvl9pPr>
+          </a:lstStyle>
+          <a:p>
+            <a:pPr lvl="0"/>
+            <a:r>
+              <a:rPr lang="en-US"/>
+              <a:t>Click to edit Master text styles</a:t>
+            </a:r>
+          </a:p>
+        </p:txBody>
+      </p:sp>
+      <p:sp>
+        <p:nvSpPr>
+          <p:cNvPr id="4" name="Date Placeholder 3"/>
+          <p:cNvSpPr>
+            <a:spLocks noGrp="1"/>
+          </p:cNvSpPr>
+          <p:nvPr>
+            <p:ph type="dt" sz="half" idx="10"/>
+          </p:nvPr>
+        </p:nvSpPr>
+        <p:spPr/>
+        <p:txBody>
+          <a:bodyPr/>
+          <a:lstStyle/>
+          <a:p>
+            <a:fld id="{09FE77F2-FD67-4623-8EC6-C4EDA26E065A}" type="datetimeFigureOut">
+              <a:rPr lang="en-IN" smtClean="0"/>
+              <a:t>26-09-2021</a:t>
+            </a:fld>
+            <a:endParaRPr lang="en-IN"/>
+          </a:p>
+        </p:txBody>
+      </p:sp>
+      <p:sp>
+        <p:nvSpPr>
+          <p:cNvPr id="5" name="Footer Placeholder 4"/>
+          <p:cNvSpPr>
+            <a:spLocks noGrp="1"/>
+          </p:cNvSpPr>
+          <p:nvPr>
+            <p:ph type="ftr" sz="quarter" idx="11"/>
+          </p:nvPr>
+        </p:nvSpPr>
+        <p:spPr/>
+        <p:txBody>
+          <a:bodyPr/>
+          <a:lstStyle/>
+          <a:p>
+            <a:endParaRPr lang="en-IN"/>
+          </a:p>
+        </p:txBody>
+      </p:sp>
+      <p:sp>
+        <p:nvSpPr>
+          <p:cNvPr id="6" name="Slide Number Placeholder 5"/>
+          <p:cNvSpPr>
+            <a:spLocks noGrp="1"/>
+          </p:cNvSpPr>
+          <p:nvPr>
+            <p:ph type="sldNum" sz="quarter" idx="12"/>
+          </p:nvPr>
+        </p:nvSpPr>
+        <p:spPr/>
+        <p:txBody>
+          <a:bodyPr/>
+          <a:lstStyle/>
+          <a:p>
+            <a:fld id="{DFDDE58A-BC98-4300-B86D-22C199082C93}" type="slidenum">
+              <a:rPr lang="en-IN" smtClean="0"/>
+              <a:t>‹#›</a:t>
+            </a:fld>
+            <a:endParaRPr lang="en-IN"/>
+          </a:p>
+        </p:txBody>
+      </p:sp>
+    </p:spTree>
+    <p:extLst>
+      <p:ext uri="{BB962C8B-B14F-4D97-AF65-F5344CB8AC3E}">
+        <p14:creationId xmlns:p14="http://schemas.microsoft.com/office/powerpoint/2010/main" val="405183622"/>
+      </p:ext>
+    </p:extLst>
+  </p:cSld>
+  <p:clrMapOvr>
+    <a:masterClrMapping/>
+  </p:clrMapOvr>
+</p:sldLayout>
+</file>
+
+<file path=ppt/slideLayouts/slideLayout15.xml><?xml version="1.0" encoding="utf-8"?>
 <p:sldLayout xmlns:a="http://schemas.openxmlformats.org/drawingml/2006/main" xmlns:r="http://schemas.openxmlformats.org/officeDocument/2006/relationships" xmlns:p="http://schemas.openxmlformats.org/presentationml/2006/main" type="vertTx" preserve="1">
   <p:cSld name="Title and Vertical Text">
     <p:spTree>
@@ -350,7 +2554,7 @@
               <a:rPr lang="en-US"/>
               <a:t>Click to edit Master title style</a:t>
             </a:r>
-            <a:endParaRPr lang="en-IN"/>
+            <a:endParaRPr lang="en-US" dirty="0"/>
           </a:p>
         </p:txBody>
       </p:sp>
@@ -402,7 +2606,7 @@
               <a:rPr lang="en-US"/>
               <a:t>Fifth level</a:t>
             </a:r>
-            <a:endParaRPr lang="en-IN"/>
+            <a:endParaRPr lang="en-US" dirty="0"/>
           </a:p>
         </p:txBody>
       </p:sp>
@@ -423,7 +2627,7 @@
           <a:p>
             <a:fld id="{09FE77F2-FD67-4623-8EC6-C4EDA26E065A}" type="datetimeFigureOut">
               <a:rPr lang="en-IN" smtClean="0"/>
-              <a:t>25-09-2021</a:t>
+              <a:t>26-09-2021</a:t>
             </a:fld>
             <a:endParaRPr lang="en-IN"/>
           </a:p>
@@ -474,7 +2678,7 @@
     </p:spTree>
     <p:extLst>
       <p:ext uri="{BB962C8B-B14F-4D97-AF65-F5344CB8AC3E}">
-        <p14:creationId xmlns:p14="http://schemas.microsoft.com/office/powerpoint/2010/main" val="643600632"/>
+        <p14:creationId xmlns:p14="http://schemas.microsoft.com/office/powerpoint/2010/main" val="560821908"/>
       </p:ext>
     </p:extLst>
   </p:cSld>
@@ -484,7 +2688,7 @@
 </p:sldLayout>
 </file>
 
-<file path=ppt/slideLayouts/slideLayout11.xml><?xml version="1.0" encoding="utf-8"?>
+<file path=ppt/slideLayouts/slideLayout16.xml><?xml version="1.0" encoding="utf-8"?>
 <p:sldLayout xmlns:a="http://schemas.openxmlformats.org/drawingml/2006/main" xmlns:r="http://schemas.openxmlformats.org/officeDocument/2006/relationships" xmlns:p="http://schemas.openxmlformats.org/presentationml/2006/main" type="vertTitleAndTx" preserve="1">
   <p:cSld name="Vertical Title and Text">
     <p:spTree>
@@ -513,19 +2717,19 @@
         </p:nvSpPr>
         <p:spPr>
           <a:xfrm>
-            <a:off x="8724900" y="365125"/>
-            <a:ext cx="2628900" cy="5811838"/>
+            <a:off x="7967673" y="609599"/>
+            <a:ext cx="1304743" cy="5251451"/>
           </a:xfrm>
         </p:spPr>
         <p:txBody>
-          <a:bodyPr vert="eaVert"/>
+          <a:bodyPr vert="eaVert" anchor="ctr"/>
           <a:lstStyle/>
           <a:p>
             <a:r>
               <a:rPr lang="en-US"/>
               <a:t>Click to edit Master title style</a:t>
             </a:r>
-            <a:endParaRPr lang="en-IN"/>
+            <a:endParaRPr lang="en-US" dirty="0"/>
           </a:p>
         </p:txBody>
       </p:sp>
@@ -541,8 +2745,8 @@
         </p:nvSpPr>
         <p:spPr>
           <a:xfrm>
-            <a:off x="838200" y="365125"/>
-            <a:ext cx="7734300" cy="5811838"/>
+            <a:off x="677335" y="609600"/>
+            <a:ext cx="7060150" cy="5251450"/>
           </a:xfrm>
         </p:spPr>
         <p:txBody>
@@ -582,7 +2786,7 @@
               <a:rPr lang="en-US"/>
               <a:t>Fifth level</a:t>
             </a:r>
-            <a:endParaRPr lang="en-IN"/>
+            <a:endParaRPr lang="en-US" dirty="0"/>
           </a:p>
         </p:txBody>
       </p:sp>
@@ -603,7 +2807,7 @@
           <a:p>
             <a:fld id="{09FE77F2-FD67-4623-8EC6-C4EDA26E065A}" type="datetimeFigureOut">
               <a:rPr lang="en-IN" smtClean="0"/>
-              <a:t>25-09-2021</a:t>
+              <a:t>26-09-2021</a:t>
             </a:fld>
             <a:endParaRPr lang="en-IN"/>
           </a:p>
@@ -654,7 +2858,7 @@
     </p:spTree>
     <p:extLst>
       <p:ext uri="{BB962C8B-B14F-4D97-AF65-F5344CB8AC3E}">
-        <p14:creationId xmlns:p14="http://schemas.microsoft.com/office/powerpoint/2010/main" val="2291309975"/>
+        <p14:creationId xmlns:p14="http://schemas.microsoft.com/office/powerpoint/2010/main" val="2357446394"/>
       </p:ext>
     </p:extLst>
   </p:cSld>
@@ -693,14 +2897,20 @@
         </p:nvSpPr>
         <p:spPr/>
         <p:txBody>
-          <a:bodyPr/>
-          <a:lstStyle/>
+          <a:bodyPr>
+            <a:normAutofit/>
+          </a:bodyPr>
+          <a:lstStyle>
+            <a:lvl1pPr>
+              <a:defRPr sz="3600"/>
+            </a:lvl1pPr>
+          </a:lstStyle>
           <a:p>
             <a:r>
               <a:rPr lang="en-US"/>
               <a:t>Click to edit Master title style</a:t>
             </a:r>
-            <a:endParaRPr lang="en-IN"/>
+            <a:endParaRPr lang="en-US" dirty="0"/>
           </a:p>
         </p:txBody>
       </p:sp>
@@ -752,7 +2962,7 @@
               <a:rPr lang="en-US"/>
               <a:t>Fifth level</a:t>
             </a:r>
-            <a:endParaRPr lang="en-IN"/>
+            <a:endParaRPr lang="en-US" dirty="0"/>
           </a:p>
         </p:txBody>
       </p:sp>
@@ -773,7 +2983,7 @@
           <a:p>
             <a:fld id="{09FE77F2-FD67-4623-8EC6-C4EDA26E065A}" type="datetimeFigureOut">
               <a:rPr lang="en-IN" smtClean="0"/>
-              <a:t>25-09-2021</a:t>
+              <a:t>26-09-2021</a:t>
             </a:fld>
             <a:endParaRPr lang="en-IN"/>
           </a:p>
@@ -824,7 +3034,7 @@
     </p:spTree>
     <p:extLst>
       <p:ext uri="{BB962C8B-B14F-4D97-AF65-F5344CB8AC3E}">
-        <p14:creationId xmlns:p14="http://schemas.microsoft.com/office/powerpoint/2010/main" val="3053890483"/>
+        <p14:creationId xmlns:p14="http://schemas.microsoft.com/office/powerpoint/2010/main" val="3108174557"/>
       </p:ext>
     </p:extLst>
   </p:cSld>
@@ -863,15 +3073,15 @@
         </p:nvSpPr>
         <p:spPr>
           <a:xfrm>
-            <a:off x="831850" y="1709738"/>
-            <a:ext cx="10515600" cy="2852737"/>
+            <a:off x="677335" y="2700867"/>
+            <a:ext cx="8596668" cy="1826581"/>
           </a:xfrm>
         </p:spPr>
         <p:txBody>
           <a:bodyPr anchor="b"/>
           <a:lstStyle>
-            <a:lvl1pPr>
-              <a:defRPr sz="6000"/>
+            <a:lvl1pPr algn="l">
+              <a:defRPr sz="4000" b="0" cap="none"/>
             </a:lvl1pPr>
           </a:lstStyle>
           <a:p>
@@ -879,7 +3089,7 @@
               <a:rPr lang="en-US"/>
               <a:t>Click to edit Master title style</a:t>
             </a:r>
-            <a:endParaRPr lang="en-IN"/>
+            <a:endParaRPr lang="en-US" dirty="0"/>
           </a:p>
         </p:txBody>
       </p:sp>
@@ -895,96 +3105,97 @@
         </p:nvSpPr>
         <p:spPr>
           <a:xfrm>
-            <a:off x="831850" y="4589463"/>
-            <a:ext cx="10515600" cy="1500187"/>
+            <a:off x="677335" y="4527448"/>
+            <a:ext cx="8596668" cy="860400"/>
           </a:xfrm>
         </p:spPr>
         <p:txBody>
-          <a:bodyPr/>
+          <a:bodyPr anchor="t"/>
           <a:lstStyle>
-            <a:lvl1pPr marL="0" indent="0">
-              <a:buNone/>
-              <a:defRPr sz="2400">
+            <a:lvl1pPr marL="0" indent="0" algn="l">
+              <a:buNone/>
+              <a:defRPr sz="2000">
+                <a:solidFill>
+                  <a:schemeClr val="tx1">
+                    <a:lumMod val="50000"/>
+                    <a:lumOff val="50000"/>
+                  </a:schemeClr>
+                </a:solidFill>
+              </a:defRPr>
+            </a:lvl1pPr>
+            <a:lvl2pPr marL="457200" indent="0">
+              <a:buNone/>
+              <a:defRPr sz="1800">
                 <a:solidFill>
                   <a:schemeClr val="tx1">
                     <a:tint val="75000"/>
                   </a:schemeClr>
                 </a:solidFill>
               </a:defRPr>
-            </a:lvl1pPr>
-            <a:lvl2pPr marL="457200" indent="0">
-              <a:buNone/>
-              <a:defRPr sz="2000">
+            </a:lvl2pPr>
+            <a:lvl3pPr marL="914400" indent="0">
+              <a:buNone/>
+              <a:defRPr sz="1600">
                 <a:solidFill>
                   <a:schemeClr val="tx1">
                     <a:tint val="75000"/>
                   </a:schemeClr>
                 </a:solidFill>
               </a:defRPr>
-            </a:lvl2pPr>
-            <a:lvl3pPr marL="914400" indent="0">
-              <a:buNone/>
-              <a:defRPr sz="1800">
+            </a:lvl3pPr>
+            <a:lvl4pPr marL="1371600" indent="0">
+              <a:buNone/>
+              <a:defRPr sz="1400">
                 <a:solidFill>
                   <a:schemeClr val="tx1">
                     <a:tint val="75000"/>
                   </a:schemeClr>
                 </a:solidFill>
               </a:defRPr>
-            </a:lvl3pPr>
-            <a:lvl4pPr marL="1371600" indent="0">
-              <a:buNone/>
-              <a:defRPr sz="1600">
+            </a:lvl4pPr>
+            <a:lvl5pPr marL="1828800" indent="0">
+              <a:buNone/>
+              <a:defRPr sz="1400">
                 <a:solidFill>
                   <a:schemeClr val="tx1">
                     <a:tint val="75000"/>
                   </a:schemeClr>
                 </a:solidFill>
               </a:defRPr>
-            </a:lvl4pPr>
-            <a:lvl5pPr marL="1828800" indent="0">
-              <a:buNone/>
-              <a:defRPr sz="1600">
+            </a:lvl5pPr>
+            <a:lvl6pPr marL="2286000" indent="0">
+              <a:buNone/>
+              <a:defRPr sz="1400">
                 <a:solidFill>
                   <a:schemeClr val="tx1">
                     <a:tint val="75000"/>
                   </a:schemeClr>
                 </a:solidFill>
               </a:defRPr>
-            </a:lvl5pPr>
-            <a:lvl6pPr marL="2286000" indent="0">
-              <a:buNone/>
-              <a:defRPr sz="1600">
+            </a:lvl6pPr>
+            <a:lvl7pPr marL="2743200" indent="0">
+              <a:buNone/>
+              <a:defRPr sz="1400">
                 <a:solidFill>
                   <a:schemeClr val="tx1">
                     <a:tint val="75000"/>
                   </a:schemeClr>
                 </a:solidFill>
               </a:defRPr>
-            </a:lvl6pPr>
-            <a:lvl7pPr marL="2743200" indent="0">
-              <a:buNone/>
-              <a:defRPr sz="1600">
+            </a:lvl7pPr>
+            <a:lvl8pPr marL="3200400" indent="0">
+              <a:buNone/>
+              <a:defRPr sz="1400">
                 <a:solidFill>
                   <a:schemeClr val="tx1">
                     <a:tint val="75000"/>
                   </a:schemeClr>
                 </a:solidFill>
               </a:defRPr>
-            </a:lvl7pPr>
-            <a:lvl8pPr marL="3200400" indent="0">
-              <a:buNone/>
-              <a:defRPr sz="1600">
-                <a:solidFill>
-                  <a:schemeClr val="tx1">
-                    <a:tint val="75000"/>
-                  </a:schemeClr>
-                </a:solidFill>
-              </a:defRPr>
             </a:lvl8pPr>
             <a:lvl9pPr marL="3657600" indent="0">
               <a:buNone/>
-              <a:defRPr sz="1600">
+              <a:defRPr sz="1400">
                 <a:solidFill>
                   <a:schemeClr val="tx1">
                     <a:tint val="75000"/>
@@ -1019,7 +3230,7 @@
           <a:p>
             <a:fld id="{09FE77F2-FD67-4623-8EC6-C4EDA26E065A}" type="datetimeFigureOut">
               <a:rPr lang="en-IN" smtClean="0"/>
-              <a:t>25-09-2021</a:t>
+              <a:t>26-09-2021</a:t>
             </a:fld>
             <a:endParaRPr lang="en-IN"/>
           </a:p>
@@ -1070,7 +3281,7 @@
     </p:spTree>
     <p:extLst>
       <p:ext uri="{BB962C8B-B14F-4D97-AF65-F5344CB8AC3E}">
-        <p14:creationId xmlns:p14="http://schemas.microsoft.com/office/powerpoint/2010/main" val="582851675"/>
+        <p14:creationId xmlns:p14="http://schemas.microsoft.com/office/powerpoint/2010/main" val="2031805986"/>
       </p:ext>
     </p:extLst>
   </p:cSld>
@@ -1116,7 +3327,7 @@
               <a:rPr lang="en-US"/>
               <a:t>Click to edit Master title style</a:t>
             </a:r>
-            <a:endParaRPr lang="en-IN"/>
+            <a:endParaRPr lang="en-US" dirty="0"/>
           </a:p>
         </p:txBody>
       </p:sp>
@@ -1132,8 +3343,8 @@
         </p:nvSpPr>
         <p:spPr>
           <a:xfrm>
-            <a:off x="838200" y="1825625"/>
-            <a:ext cx="5181600" cy="4351338"/>
+            <a:off x="677334" y="2160589"/>
+            <a:ext cx="4184035" cy="3880772"/>
           </a:xfrm>
         </p:spPr>
         <p:txBody>
@@ -1173,7 +3384,7 @@
               <a:rPr lang="en-US"/>
               <a:t>Fifth level</a:t>
             </a:r>
-            <a:endParaRPr lang="en-IN"/>
+            <a:endParaRPr lang="en-US" dirty="0"/>
           </a:p>
         </p:txBody>
       </p:sp>
@@ -1189,8 +3400,8 @@
         </p:nvSpPr>
         <p:spPr>
           <a:xfrm>
-            <a:off x="6172200" y="1825625"/>
-            <a:ext cx="5181600" cy="4351338"/>
+            <a:off x="5089970" y="2160589"/>
+            <a:ext cx="4184034" cy="3880773"/>
           </a:xfrm>
         </p:spPr>
         <p:txBody>
@@ -1230,7 +3441,7 @@
               <a:rPr lang="en-US"/>
               <a:t>Fifth level</a:t>
             </a:r>
-            <a:endParaRPr lang="en-IN"/>
+            <a:endParaRPr lang="en-US" dirty="0"/>
           </a:p>
         </p:txBody>
       </p:sp>
@@ -1251,7 +3462,7 @@
           <a:p>
             <a:fld id="{09FE77F2-FD67-4623-8EC6-C4EDA26E065A}" type="datetimeFigureOut">
               <a:rPr lang="en-IN" smtClean="0"/>
-              <a:t>25-09-2021</a:t>
+              <a:t>26-09-2021</a:t>
             </a:fld>
             <a:endParaRPr lang="en-IN"/>
           </a:p>
@@ -1302,7 +3513,7 @@
     </p:spTree>
     <p:extLst>
       <p:ext uri="{BB962C8B-B14F-4D97-AF65-F5344CB8AC3E}">
-        <p14:creationId xmlns:p14="http://schemas.microsoft.com/office/powerpoint/2010/main" val="2016012113"/>
+        <p14:creationId xmlns:p14="http://schemas.microsoft.com/office/powerpoint/2010/main" val="575243408"/>
       </p:ext>
     </p:extLst>
   </p:cSld>
@@ -1339,21 +3550,20 @@
             <p:ph type="title"/>
           </p:nvPr>
         </p:nvSpPr>
-        <p:spPr>
-          <a:xfrm>
-            <a:off x="839788" y="365125"/>
-            <a:ext cx="10515600" cy="1325563"/>
-          </a:xfrm>
-        </p:spPr>
+        <p:spPr/>
         <p:txBody>
           <a:bodyPr/>
-          <a:lstStyle/>
+          <a:lstStyle>
+            <a:lvl1pPr>
+              <a:defRPr/>
+            </a:lvl1pPr>
+          </a:lstStyle>
           <a:p>
             <a:r>
               <a:rPr lang="en-US"/>
               <a:t>Click to edit Master title style</a:t>
             </a:r>
-            <a:endParaRPr lang="en-IN"/>
+            <a:endParaRPr lang="en-US" dirty="0"/>
           </a:p>
         </p:txBody>
       </p:sp>
@@ -1369,16 +3579,18 @@
         </p:nvSpPr>
         <p:spPr>
           <a:xfrm>
-            <a:off x="839788" y="1681163"/>
-            <a:ext cx="5157787" cy="823912"/>
+            <a:off x="675745" y="2160983"/>
+            <a:ext cx="4185623" cy="576262"/>
           </a:xfrm>
         </p:spPr>
         <p:txBody>
-          <a:bodyPr anchor="b"/>
+          <a:bodyPr anchor="b">
+            <a:noAutofit/>
+          </a:bodyPr>
           <a:lstStyle>
             <a:lvl1pPr marL="0" indent="0">
               <a:buNone/>
-              <a:defRPr sz="2400" b="1"/>
+              <a:defRPr sz="2400" b="0"/>
             </a:lvl1pPr>
             <a:lvl2pPr marL="457200" indent="0">
               <a:buNone/>
@@ -1434,12 +3646,14 @@
         </p:nvSpPr>
         <p:spPr>
           <a:xfrm>
-            <a:off x="839788" y="2505075"/>
-            <a:ext cx="5157787" cy="3684588"/>
+            <a:off x="675745" y="2737245"/>
+            <a:ext cx="4185623" cy="3304117"/>
           </a:xfrm>
         </p:spPr>
         <p:txBody>
-          <a:bodyPr/>
+          <a:bodyPr>
+            <a:normAutofit/>
+          </a:bodyPr>
           <a:lstStyle/>
           <a:p>
             <a:pPr lvl="0"/>
@@ -1475,7 +3689,7 @@
               <a:rPr lang="en-US"/>
               <a:t>Fifth level</a:t>
             </a:r>
-            <a:endParaRPr lang="en-IN"/>
+            <a:endParaRPr lang="en-US" dirty="0"/>
           </a:p>
         </p:txBody>
       </p:sp>
@@ -1491,16 +3705,18 @@
         </p:nvSpPr>
         <p:spPr>
           <a:xfrm>
-            <a:off x="6172200" y="1681163"/>
-            <a:ext cx="5183188" cy="823912"/>
+            <a:off x="5088383" y="2160983"/>
+            <a:ext cx="4185618" cy="576262"/>
           </a:xfrm>
         </p:spPr>
         <p:txBody>
-          <a:bodyPr anchor="b"/>
+          <a:bodyPr anchor="b">
+            <a:noAutofit/>
+          </a:bodyPr>
           <a:lstStyle>
             <a:lvl1pPr marL="0" indent="0">
               <a:buNone/>
-              <a:defRPr sz="2400" b="1"/>
+              <a:defRPr sz="2400" b="0"/>
             </a:lvl1pPr>
             <a:lvl2pPr marL="457200" indent="0">
               <a:buNone/>
@@ -1556,12 +3772,14 @@
         </p:nvSpPr>
         <p:spPr>
           <a:xfrm>
-            <a:off x="6172200" y="2505075"/>
-            <a:ext cx="5183188" cy="3684588"/>
+            <a:off x="5088384" y="2737245"/>
+            <a:ext cx="4185617" cy="3304117"/>
           </a:xfrm>
         </p:spPr>
         <p:txBody>
-          <a:bodyPr/>
+          <a:bodyPr>
+            <a:normAutofit/>
+          </a:bodyPr>
           <a:lstStyle/>
           <a:p>
             <a:pPr lvl="0"/>
@@ -1597,7 +3815,7 @@
               <a:rPr lang="en-US"/>
               <a:t>Fifth level</a:t>
             </a:r>
-            <a:endParaRPr lang="en-IN"/>
+            <a:endParaRPr lang="en-US" dirty="0"/>
           </a:p>
         </p:txBody>
       </p:sp>
@@ -1618,7 +3836,7 @@
           <a:p>
             <a:fld id="{09FE77F2-FD67-4623-8EC6-C4EDA26E065A}" type="datetimeFigureOut">
               <a:rPr lang="en-IN" smtClean="0"/>
-              <a:t>25-09-2021</a:t>
+              <a:t>26-09-2021</a:t>
             </a:fld>
             <a:endParaRPr lang="en-IN"/>
           </a:p>
@@ -1669,7 +3887,7 @@
     </p:spTree>
     <p:extLst>
       <p:ext uri="{BB962C8B-B14F-4D97-AF65-F5344CB8AC3E}">
-        <p14:creationId xmlns:p14="http://schemas.microsoft.com/office/powerpoint/2010/main" val="1955524584"/>
+        <p14:creationId xmlns:p14="http://schemas.microsoft.com/office/powerpoint/2010/main" val="33747290"/>
       </p:ext>
     </p:extLst>
   </p:cSld>
@@ -1706,7 +3924,12 @@
             <p:ph type="title"/>
           </p:nvPr>
         </p:nvSpPr>
-        <p:spPr/>
+        <p:spPr>
+          <a:xfrm>
+            <a:off x="677334" y="609600"/>
+            <a:ext cx="8596668" cy="1320800"/>
+          </a:xfrm>
+        </p:spPr>
         <p:txBody>
           <a:bodyPr/>
           <a:lstStyle/>
@@ -1715,7 +3938,7 @@
               <a:rPr lang="en-US"/>
               <a:t>Click to edit Master title style</a:t>
             </a:r>
-            <a:endParaRPr lang="en-IN"/>
+            <a:endParaRPr lang="en-US" dirty="0"/>
           </a:p>
         </p:txBody>
       </p:sp>
@@ -1736,7 +3959,7 @@
           <a:p>
             <a:fld id="{09FE77F2-FD67-4623-8EC6-C4EDA26E065A}" type="datetimeFigureOut">
               <a:rPr lang="en-IN" smtClean="0"/>
-              <a:t>25-09-2021</a:t>
+              <a:t>26-09-2021</a:t>
             </a:fld>
             <a:endParaRPr lang="en-IN"/>
           </a:p>
@@ -1787,7 +4010,7 @@
     </p:spTree>
     <p:extLst>
       <p:ext uri="{BB962C8B-B14F-4D97-AF65-F5344CB8AC3E}">
-        <p14:creationId xmlns:p14="http://schemas.microsoft.com/office/powerpoint/2010/main" val="1159279527"/>
+        <p14:creationId xmlns:p14="http://schemas.microsoft.com/office/powerpoint/2010/main" val="1160883490"/>
       </p:ext>
     </p:extLst>
   </p:cSld>
@@ -1831,7 +4054,7 @@
           <a:p>
             <a:fld id="{09FE77F2-FD67-4623-8EC6-C4EDA26E065A}" type="datetimeFigureOut">
               <a:rPr lang="en-IN" smtClean="0"/>
-              <a:t>25-09-2021</a:t>
+              <a:t>26-09-2021</a:t>
             </a:fld>
             <a:endParaRPr lang="en-IN"/>
           </a:p>
@@ -1882,7 +4105,7 @@
     </p:spTree>
     <p:extLst>
       <p:ext uri="{BB962C8B-B14F-4D97-AF65-F5344CB8AC3E}">
-        <p14:creationId xmlns:p14="http://schemas.microsoft.com/office/powerpoint/2010/main" val="467169268"/>
+        <p14:creationId xmlns:p14="http://schemas.microsoft.com/office/powerpoint/2010/main" val="271158893"/>
       </p:ext>
     </p:extLst>
   </p:cSld>
@@ -1921,15 +4144,17 @@
         </p:nvSpPr>
         <p:spPr>
           <a:xfrm>
-            <a:off x="839788" y="457200"/>
-            <a:ext cx="3932237" cy="1600200"/>
+            <a:off x="677334" y="1498604"/>
+            <a:ext cx="3854528" cy="1278466"/>
           </a:xfrm>
         </p:spPr>
         <p:txBody>
-          <a:bodyPr anchor="b"/>
+          <a:bodyPr anchor="b">
+            <a:normAutofit/>
+          </a:bodyPr>
           <a:lstStyle>
             <a:lvl1pPr>
-              <a:defRPr sz="3200"/>
+              <a:defRPr sz="2000"/>
             </a:lvl1pPr>
           </a:lstStyle>
           <a:p>
@@ -1937,7 +4162,7 @@
               <a:rPr lang="en-US"/>
               <a:t>Click to edit Master title style</a:t>
             </a:r>
-            <a:endParaRPr lang="en-IN"/>
+            <a:endParaRPr lang="en-US" dirty="0"/>
           </a:p>
         </p:txBody>
       </p:sp>
@@ -1953,41 +4178,15 @@
         </p:nvSpPr>
         <p:spPr>
           <a:xfrm>
-            <a:off x="5183188" y="987425"/>
-            <a:ext cx="6172200" cy="4873625"/>
+            <a:off x="4760461" y="514924"/>
+            <a:ext cx="4513541" cy="5526437"/>
           </a:xfrm>
         </p:spPr>
         <p:txBody>
-          <a:bodyPr/>
-          <a:lstStyle>
-            <a:lvl1pPr>
-              <a:defRPr sz="3200"/>
-            </a:lvl1pPr>
-            <a:lvl2pPr>
-              <a:defRPr sz="2800"/>
-            </a:lvl2pPr>
-            <a:lvl3pPr>
-              <a:defRPr sz="2400"/>
-            </a:lvl3pPr>
-            <a:lvl4pPr>
-              <a:defRPr sz="2000"/>
-            </a:lvl4pPr>
-            <a:lvl5pPr>
-              <a:defRPr sz="2000"/>
-            </a:lvl5pPr>
-            <a:lvl6pPr>
-              <a:defRPr sz="2000"/>
-            </a:lvl6pPr>
-            <a:lvl7pPr>
-              <a:defRPr sz="2000"/>
-            </a:lvl7pPr>
-            <a:lvl8pPr>
-              <a:defRPr sz="2000"/>
-            </a:lvl8pPr>
-            <a:lvl9pPr>
-              <a:defRPr sz="2000"/>
-            </a:lvl9pPr>
-          </a:lstStyle>
+          <a:bodyPr>
+            <a:normAutofit/>
+          </a:bodyPr>
+          <a:lstStyle/>
           <a:p>
             <a:pPr lvl="0"/>
             <a:r>
@@ -2022,7 +4221,7 @@
               <a:rPr lang="en-US"/>
               <a:t>Fifth level</a:t>
             </a:r>
-            <a:endParaRPr lang="en-IN"/>
+            <a:endParaRPr lang="en-US" dirty="0"/>
           </a:p>
         </p:txBody>
       </p:sp>
@@ -2038,46 +4237,48 @@
         </p:nvSpPr>
         <p:spPr>
           <a:xfrm>
-            <a:off x="839788" y="2057400"/>
-            <a:ext cx="3932237" cy="3811588"/>
+            <a:off x="677334" y="2777069"/>
+            <a:ext cx="3854528" cy="2584449"/>
           </a:xfrm>
         </p:spPr>
         <p:txBody>
-          <a:bodyPr/>
+          <a:bodyPr>
+            <a:normAutofit/>
+          </a:bodyPr>
           <a:lstStyle>
             <a:lvl1pPr marL="0" indent="0">
               <a:buNone/>
-              <a:defRPr sz="1600"/>
+              <a:defRPr sz="1400"/>
             </a:lvl1pPr>
-            <a:lvl2pPr marL="457200" indent="0">
+            <a:lvl2pPr marL="457063" indent="0">
               <a:buNone/>
               <a:defRPr sz="1400"/>
             </a:lvl2pPr>
-            <a:lvl3pPr marL="914400" indent="0">
+            <a:lvl3pPr marL="914126" indent="0">
               <a:buNone/>
               <a:defRPr sz="1200"/>
             </a:lvl3pPr>
-            <a:lvl4pPr marL="1371600" indent="0">
+            <a:lvl4pPr marL="1371189" indent="0">
               <a:buNone/>
               <a:defRPr sz="1000"/>
             </a:lvl4pPr>
-            <a:lvl5pPr marL="1828800" indent="0">
+            <a:lvl5pPr marL="1828251" indent="0">
               <a:buNone/>
               <a:defRPr sz="1000"/>
             </a:lvl5pPr>
-            <a:lvl6pPr marL="2286000" indent="0">
+            <a:lvl6pPr marL="2285314" indent="0">
               <a:buNone/>
               <a:defRPr sz="1000"/>
             </a:lvl6pPr>
-            <a:lvl7pPr marL="2743200" indent="0">
+            <a:lvl7pPr marL="2742377" indent="0">
               <a:buNone/>
               <a:defRPr sz="1000"/>
             </a:lvl7pPr>
-            <a:lvl8pPr marL="3200400" indent="0">
+            <a:lvl8pPr marL="3199440" indent="0">
               <a:buNone/>
               <a:defRPr sz="1000"/>
             </a:lvl8pPr>
-            <a:lvl9pPr marL="3657600" indent="0">
+            <a:lvl9pPr marL="3656503" indent="0">
               <a:buNone/>
               <a:defRPr sz="1000"/>
             </a:lvl9pPr>
@@ -2108,7 +4309,7 @@
           <a:p>
             <a:fld id="{09FE77F2-FD67-4623-8EC6-C4EDA26E065A}" type="datetimeFigureOut">
               <a:rPr lang="en-IN" smtClean="0"/>
-              <a:t>25-09-2021</a:t>
+              <a:t>26-09-2021</a:t>
             </a:fld>
             <a:endParaRPr lang="en-IN"/>
           </a:p>
@@ -2159,7 +4360,7 @@
     </p:spTree>
     <p:extLst>
       <p:ext uri="{BB962C8B-B14F-4D97-AF65-F5344CB8AC3E}">
-        <p14:creationId xmlns:p14="http://schemas.microsoft.com/office/powerpoint/2010/main" val="4106629333"/>
+        <p14:creationId xmlns:p14="http://schemas.microsoft.com/office/powerpoint/2010/main" val="3052060220"/>
       </p:ext>
     </p:extLst>
   </p:cSld>
@@ -2198,15 +4399,17 @@
         </p:nvSpPr>
         <p:spPr>
           <a:xfrm>
-            <a:off x="839788" y="457200"/>
-            <a:ext cx="3932237" cy="1600200"/>
+            <a:off x="677334" y="4800600"/>
+            <a:ext cx="8596667" cy="566738"/>
           </a:xfrm>
         </p:spPr>
         <p:txBody>
-          <a:bodyPr anchor="b"/>
+          <a:bodyPr anchor="b">
+            <a:normAutofit/>
+          </a:bodyPr>
           <a:lstStyle>
-            <a:lvl1pPr>
-              <a:defRPr sz="3200"/>
+            <a:lvl1pPr algn="l">
+              <a:defRPr sz="2400" b="0"/>
             </a:lvl1pPr>
           </a:lstStyle>
           <a:p>
@@ -2214,7 +4417,7 @@
               <a:rPr lang="en-US"/>
               <a:t>Click to edit Master title style</a:t>
             </a:r>
-            <a:endParaRPr lang="en-IN"/>
+            <a:endParaRPr lang="en-US" dirty="0"/>
           </a:p>
         </p:txBody>
       </p:sp>
@@ -2222,7 +4425,7 @@
         <p:nvSpPr>
           <p:cNvPr id="3" name="Picture Placeholder 2"/>
           <p:cNvSpPr>
-            <a:spLocks noGrp="1"/>
+            <a:spLocks noGrp="1" noChangeAspect="1"/>
           </p:cNvSpPr>
           <p:nvPr>
             <p:ph type="pic" idx="1"/>
@@ -2230,52 +4433,58 @@
         </p:nvSpPr>
         <p:spPr>
           <a:xfrm>
-            <a:off x="5183188" y="987425"/>
-            <a:ext cx="6172200" cy="4873625"/>
+            <a:off x="677334" y="609600"/>
+            <a:ext cx="8596668" cy="3845718"/>
           </a:xfrm>
         </p:spPr>
         <p:txBody>
-          <a:bodyPr/>
+          <a:bodyPr anchor="t">
+            <a:normAutofit/>
+          </a:bodyPr>
           <a:lstStyle>
-            <a:lvl1pPr marL="0" indent="0">
-              <a:buNone/>
-              <a:defRPr sz="3200"/>
+            <a:lvl1pPr marL="0" indent="0" algn="ctr">
+              <a:buNone/>
+              <a:defRPr sz="1600"/>
             </a:lvl1pPr>
             <a:lvl2pPr marL="457200" indent="0">
               <a:buNone/>
-              <a:defRPr sz="2800"/>
+              <a:defRPr sz="1600"/>
             </a:lvl2pPr>
             <a:lvl3pPr marL="914400" indent="0">
               <a:buNone/>
-              <a:defRPr sz="2400"/>
+              <a:defRPr sz="1600"/>
             </a:lvl3pPr>
             <a:lvl4pPr marL="1371600" indent="0">
               <a:buNone/>
-              <a:defRPr sz="2000"/>
+              <a:defRPr sz="1600"/>
             </a:lvl4pPr>
             <a:lvl5pPr marL="1828800" indent="0">
               <a:buNone/>
-              <a:defRPr sz="2000"/>
+              <a:defRPr sz="1600"/>
             </a:lvl5pPr>
             <a:lvl6pPr marL="2286000" indent="0">
               <a:buNone/>
-              <a:defRPr sz="2000"/>
+              <a:defRPr sz="1600"/>
             </a:lvl6pPr>
             <a:lvl7pPr marL="2743200" indent="0">
               <a:buNone/>
-              <a:defRPr sz="2000"/>
+              <a:defRPr sz="1600"/>
             </a:lvl7pPr>
             <a:lvl8pPr marL="3200400" indent="0">
               <a:buNone/>
-              <a:defRPr sz="2000"/>
+              <a:defRPr sz="1600"/>
             </a:lvl8pPr>
             <a:lvl9pPr marL="3657600" indent="0">
               <a:buNone/>
-              <a:defRPr sz="2000"/>
+              <a:defRPr sz="1600"/>
             </a:lvl9pPr>
           </a:lstStyle>
           <a:p>
-            <a:endParaRPr lang="en-IN"/>
+            <a:r>
+              <a:rPr lang="en-US"/>
+              <a:t>Click icon to add picture</a:t>
+            </a:r>
+            <a:endParaRPr lang="en-US" dirty="0"/>
           </a:p>
         </p:txBody>
       </p:sp>
@@ -2291,48 +4500,50 @@
         </p:nvSpPr>
         <p:spPr>
           <a:xfrm>
-            <a:off x="839788" y="2057400"/>
-            <a:ext cx="3932237" cy="3811588"/>
+            <a:off x="677334" y="5367338"/>
+            <a:ext cx="8596667" cy="674024"/>
           </a:xfrm>
         </p:spPr>
         <p:txBody>
-          <a:bodyPr/>
+          <a:bodyPr>
+            <a:normAutofit/>
+          </a:bodyPr>
           <a:lstStyle>
             <a:lvl1pPr marL="0" indent="0">
               <a:buNone/>
-              <a:defRPr sz="1600"/>
+              <a:defRPr sz="1200"/>
             </a:lvl1pPr>
             <a:lvl2pPr marL="457200" indent="0">
               <a:buNone/>
-              <a:defRPr sz="1400"/>
+              <a:defRPr sz="1200"/>
             </a:lvl2pPr>
             <a:lvl3pPr marL="914400" indent="0">
               <a:buNone/>
-              <a:defRPr sz="1200"/>
+              <a:defRPr sz="1000"/>
             </a:lvl3pPr>
             <a:lvl4pPr marL="1371600" indent="0">
               <a:buNone/>
-              <a:defRPr sz="1000"/>
+              <a:defRPr sz="900"/>
             </a:lvl4pPr>
             <a:lvl5pPr marL="1828800" indent="0">
               <a:buNone/>
-              <a:defRPr sz="1000"/>
+              <a:defRPr sz="900"/>
             </a:lvl5pPr>
             <a:lvl6pPr marL="2286000" indent="0">
               <a:buNone/>
-              <a:defRPr sz="1000"/>
+              <a:defRPr sz="900"/>
             </a:lvl6pPr>
             <a:lvl7pPr marL="2743200" indent="0">
               <a:buNone/>
-              <a:defRPr sz="1000"/>
+              <a:defRPr sz="900"/>
             </a:lvl7pPr>
             <a:lvl8pPr marL="3200400" indent="0">
               <a:buNone/>
-              <a:defRPr sz="1000"/>
+              <a:defRPr sz="900"/>
             </a:lvl8pPr>
             <a:lvl9pPr marL="3657600" indent="0">
               <a:buNone/>
-              <a:defRPr sz="1000"/>
+              <a:defRPr sz="900"/>
             </a:lvl9pPr>
           </a:lstStyle>
           <a:p>
@@ -2361,7 +4572,7 @@
           <a:p>
             <a:fld id="{09FE77F2-FD67-4623-8EC6-C4EDA26E065A}" type="datetimeFigureOut">
               <a:rPr lang="en-IN" smtClean="0"/>
-              <a:t>25-09-2021</a:t>
+              <a:t>26-09-2021</a:t>
             </a:fld>
             <a:endParaRPr lang="en-IN"/>
           </a:p>
@@ -2412,7 +4623,7 @@
     </p:spTree>
     <p:extLst>
       <p:ext uri="{BB962C8B-B14F-4D97-AF65-F5344CB8AC3E}">
-        <p14:creationId xmlns:p14="http://schemas.microsoft.com/office/powerpoint/2010/main" val="1411151304"/>
+        <p14:creationId xmlns:p14="http://schemas.microsoft.com/office/powerpoint/2010/main" val="3623826181"/>
       </p:ext>
     </p:extLst>
   </p:cSld>
@@ -2444,6 +4655,536 @@
           <a:chExt cx="0" cy="0"/>
         </a:xfrm>
       </p:grpSpPr>
+      <p:grpSp>
+        <p:nvGrpSpPr>
+          <p:cNvPr id="7" name="Group 6"/>
+          <p:cNvGrpSpPr/>
+          <p:nvPr/>
+        </p:nvGrpSpPr>
+        <p:grpSpPr>
+          <a:xfrm>
+            <a:off x="0" y="-8467"/>
+            <a:ext cx="12192000" cy="6866467"/>
+            <a:chOff x="0" y="-8467"/>
+            <a:chExt cx="12192000" cy="6866467"/>
+          </a:xfrm>
+        </p:grpSpPr>
+        <p:cxnSp>
+          <p:nvCxnSpPr>
+            <p:cNvPr id="20" name="Straight Connector 19"/>
+            <p:cNvCxnSpPr/>
+            <p:nvPr/>
+          </p:nvCxnSpPr>
+          <p:spPr>
+            <a:xfrm>
+              <a:off x="9371012" y="0"/>
+              <a:ext cx="1219200" cy="6858000"/>
+            </a:xfrm>
+            <a:prstGeom prst="line">
+              <a:avLst/>
+            </a:prstGeom>
+            <a:ln w="9525">
+              <a:solidFill>
+                <a:schemeClr val="bg1">
+                  <a:lumMod val="75000"/>
+                </a:schemeClr>
+              </a:solidFill>
+            </a:ln>
+          </p:spPr>
+          <p:style>
+            <a:lnRef idx="2">
+              <a:schemeClr val="accent1"/>
+            </a:lnRef>
+            <a:fillRef idx="0">
+              <a:schemeClr val="accent1"/>
+            </a:fillRef>
+            <a:effectRef idx="1">
+              <a:schemeClr val="accent1"/>
+            </a:effectRef>
+            <a:fontRef idx="minor">
+              <a:schemeClr val="tx1"/>
+            </a:fontRef>
+          </p:style>
+        </p:cxnSp>
+        <p:cxnSp>
+          <p:nvCxnSpPr>
+            <p:cNvPr id="21" name="Straight Connector 20"/>
+            <p:cNvCxnSpPr/>
+            <p:nvPr/>
+          </p:nvCxnSpPr>
+          <p:spPr>
+            <a:xfrm flipH="1">
+              <a:off x="7425267" y="3681413"/>
+              <a:ext cx="4763558" cy="3176587"/>
+            </a:xfrm>
+            <a:prstGeom prst="line">
+              <a:avLst/>
+            </a:prstGeom>
+            <a:ln w="9525">
+              <a:solidFill>
+                <a:schemeClr val="bg1">
+                  <a:lumMod val="85000"/>
+                </a:schemeClr>
+              </a:solidFill>
+            </a:ln>
+          </p:spPr>
+          <p:style>
+            <a:lnRef idx="2">
+              <a:schemeClr val="accent1"/>
+            </a:lnRef>
+            <a:fillRef idx="0">
+              <a:schemeClr val="accent1"/>
+            </a:fillRef>
+            <a:effectRef idx="1">
+              <a:schemeClr val="accent1"/>
+            </a:effectRef>
+            <a:fontRef idx="minor">
+              <a:schemeClr val="tx1"/>
+            </a:fontRef>
+          </p:style>
+        </p:cxnSp>
+        <p:sp>
+          <p:nvSpPr>
+            <p:cNvPr id="22" name="Rectangle 23"/>
+            <p:cNvSpPr/>
+            <p:nvPr/>
+          </p:nvSpPr>
+          <p:spPr>
+            <a:xfrm>
+              <a:off x="9181476" y="-8467"/>
+              <a:ext cx="3007349" cy="6866467"/>
+            </a:xfrm>
+            <a:custGeom>
+              <a:avLst/>
+              <a:gdLst/>
+              <a:ahLst/>
+              <a:cxnLst/>
+              <a:rect l="l" t="t" r="r" b="b"/>
+              <a:pathLst>
+                <a:path w="3007349" h="6866467">
+                  <a:moveTo>
+                    <a:pt x="2045532" y="0"/>
+                  </a:moveTo>
+                  <a:lnTo>
+                    <a:pt x="3007349" y="0"/>
+                  </a:lnTo>
+                  <a:lnTo>
+                    <a:pt x="3007349" y="6866467"/>
+                  </a:lnTo>
+                  <a:lnTo>
+                    <a:pt x="0" y="6866467"/>
+                  </a:lnTo>
+                  <a:lnTo>
+                    <a:pt x="2045532" y="0"/>
+                  </a:lnTo>
+                  <a:close/>
+                </a:path>
+              </a:pathLst>
+            </a:custGeom>
+            <a:solidFill>
+              <a:schemeClr val="accent1">
+                <a:alpha val="30000"/>
+              </a:schemeClr>
+            </a:solidFill>
+            <a:ln>
+              <a:noFill/>
+            </a:ln>
+            <a:effectLst/>
+          </p:spPr>
+          <p:style>
+            <a:lnRef idx="1">
+              <a:schemeClr val="accent1"/>
+            </a:lnRef>
+            <a:fillRef idx="3">
+              <a:schemeClr val="accent1"/>
+            </a:fillRef>
+            <a:effectRef idx="2">
+              <a:schemeClr val="accent1"/>
+            </a:effectRef>
+            <a:fontRef idx="minor">
+              <a:schemeClr val="lt1"/>
+            </a:fontRef>
+          </p:style>
+        </p:sp>
+        <p:sp>
+          <p:nvSpPr>
+            <p:cNvPr id="23" name="Rectangle 25"/>
+            <p:cNvSpPr/>
+            <p:nvPr/>
+          </p:nvSpPr>
+          <p:spPr>
+            <a:xfrm>
+              <a:off x="9603442" y="-8467"/>
+              <a:ext cx="2588558" cy="6866467"/>
+            </a:xfrm>
+            <a:custGeom>
+              <a:avLst/>
+              <a:gdLst/>
+              <a:ahLst/>
+              <a:cxnLst/>
+              <a:rect l="l" t="t" r="r" b="b"/>
+              <a:pathLst>
+                <a:path w="2573311" h="6866467">
+                  <a:moveTo>
+                    <a:pt x="0" y="0"/>
+                  </a:moveTo>
+                  <a:lnTo>
+                    <a:pt x="2573311" y="0"/>
+                  </a:lnTo>
+                  <a:lnTo>
+                    <a:pt x="2573311" y="6866467"/>
+                  </a:lnTo>
+                  <a:lnTo>
+                    <a:pt x="1202336" y="6866467"/>
+                  </a:lnTo>
+                  <a:lnTo>
+                    <a:pt x="0" y="0"/>
+                  </a:lnTo>
+                  <a:close/>
+                </a:path>
+              </a:pathLst>
+            </a:custGeom>
+            <a:solidFill>
+              <a:schemeClr val="accent1">
+                <a:alpha val="20000"/>
+              </a:schemeClr>
+            </a:solidFill>
+            <a:ln>
+              <a:noFill/>
+            </a:ln>
+            <a:effectLst/>
+          </p:spPr>
+          <p:style>
+            <a:lnRef idx="1">
+              <a:schemeClr val="accent1"/>
+            </a:lnRef>
+            <a:fillRef idx="3">
+              <a:schemeClr val="accent1"/>
+            </a:fillRef>
+            <a:effectRef idx="2">
+              <a:schemeClr val="accent1"/>
+            </a:effectRef>
+            <a:fontRef idx="minor">
+              <a:schemeClr val="lt1"/>
+            </a:fontRef>
+          </p:style>
+        </p:sp>
+        <p:sp>
+          <p:nvSpPr>
+            <p:cNvPr id="24" name="Isosceles Triangle 23"/>
+            <p:cNvSpPr/>
+            <p:nvPr/>
+          </p:nvSpPr>
+          <p:spPr>
+            <a:xfrm>
+              <a:off x="8932333" y="3048000"/>
+              <a:ext cx="3259667" cy="3810000"/>
+            </a:xfrm>
+            <a:prstGeom prst="triangle">
+              <a:avLst>
+                <a:gd name="adj" fmla="val 100000"/>
+              </a:avLst>
+            </a:prstGeom>
+            <a:solidFill>
+              <a:schemeClr val="accent2">
+                <a:alpha val="72000"/>
+              </a:schemeClr>
+            </a:solidFill>
+            <a:ln>
+              <a:noFill/>
+            </a:ln>
+            <a:effectLst/>
+          </p:spPr>
+          <p:style>
+            <a:lnRef idx="1">
+              <a:schemeClr val="accent1"/>
+            </a:lnRef>
+            <a:fillRef idx="3">
+              <a:schemeClr val="accent1"/>
+            </a:fillRef>
+            <a:effectRef idx="2">
+              <a:schemeClr val="accent1"/>
+            </a:effectRef>
+            <a:fontRef idx="minor">
+              <a:schemeClr val="lt1"/>
+            </a:fontRef>
+          </p:style>
+        </p:sp>
+        <p:sp>
+          <p:nvSpPr>
+            <p:cNvPr id="25" name="Rectangle 27"/>
+            <p:cNvSpPr/>
+            <p:nvPr/>
+          </p:nvSpPr>
+          <p:spPr>
+            <a:xfrm>
+              <a:off x="9334500" y="-8467"/>
+              <a:ext cx="2854326" cy="6866467"/>
+            </a:xfrm>
+            <a:custGeom>
+              <a:avLst/>
+              <a:gdLst/>
+              <a:ahLst/>
+              <a:cxnLst/>
+              <a:rect l="l" t="t" r="r" b="b"/>
+              <a:pathLst>
+                <a:path w="2858013" h="6866467">
+                  <a:moveTo>
+                    <a:pt x="0" y="0"/>
+                  </a:moveTo>
+                  <a:lnTo>
+                    <a:pt x="2858013" y="0"/>
+                  </a:lnTo>
+                  <a:lnTo>
+                    <a:pt x="2858013" y="6866467"/>
+                  </a:lnTo>
+                  <a:lnTo>
+                    <a:pt x="2473942" y="6866467"/>
+                  </a:lnTo>
+                  <a:lnTo>
+                    <a:pt x="0" y="0"/>
+                  </a:lnTo>
+                  <a:close/>
+                </a:path>
+              </a:pathLst>
+            </a:custGeom>
+            <a:solidFill>
+              <a:schemeClr val="accent2">
+                <a:lumMod val="75000"/>
+                <a:alpha val="70000"/>
+              </a:schemeClr>
+            </a:solidFill>
+            <a:ln>
+              <a:noFill/>
+            </a:ln>
+            <a:effectLst/>
+          </p:spPr>
+          <p:style>
+            <a:lnRef idx="1">
+              <a:schemeClr val="accent1"/>
+            </a:lnRef>
+            <a:fillRef idx="3">
+              <a:schemeClr val="accent1"/>
+            </a:fillRef>
+            <a:effectRef idx="2">
+              <a:schemeClr val="accent1"/>
+            </a:effectRef>
+            <a:fontRef idx="minor">
+              <a:schemeClr val="lt1"/>
+            </a:fontRef>
+          </p:style>
+        </p:sp>
+        <p:sp>
+          <p:nvSpPr>
+            <p:cNvPr id="26" name="Rectangle 28"/>
+            <p:cNvSpPr/>
+            <p:nvPr/>
+          </p:nvSpPr>
+          <p:spPr>
+            <a:xfrm>
+              <a:off x="10898730" y="-8467"/>
+              <a:ext cx="1290094" cy="6866467"/>
+            </a:xfrm>
+            <a:custGeom>
+              <a:avLst/>
+              <a:gdLst/>
+              <a:ahLst/>
+              <a:cxnLst/>
+              <a:rect l="l" t="t" r="r" b="b"/>
+              <a:pathLst>
+                <a:path w="1290094" h="6858000">
+                  <a:moveTo>
+                    <a:pt x="1019735" y="0"/>
+                  </a:moveTo>
+                  <a:lnTo>
+                    <a:pt x="1290094" y="0"/>
+                  </a:lnTo>
+                  <a:lnTo>
+                    <a:pt x="1290094" y="6858000"/>
+                  </a:lnTo>
+                  <a:lnTo>
+                    <a:pt x="0" y="6858000"/>
+                  </a:lnTo>
+                  <a:lnTo>
+                    <a:pt x="1019735" y="0"/>
+                  </a:lnTo>
+                  <a:close/>
+                </a:path>
+              </a:pathLst>
+            </a:custGeom>
+            <a:solidFill>
+              <a:schemeClr val="accent1">
+                <a:lumMod val="60000"/>
+                <a:lumOff val="40000"/>
+                <a:alpha val="70000"/>
+              </a:schemeClr>
+            </a:solidFill>
+            <a:ln>
+              <a:noFill/>
+            </a:ln>
+            <a:effectLst/>
+          </p:spPr>
+          <p:style>
+            <a:lnRef idx="1">
+              <a:schemeClr val="accent1"/>
+            </a:lnRef>
+            <a:fillRef idx="3">
+              <a:schemeClr val="accent1"/>
+            </a:fillRef>
+            <a:effectRef idx="2">
+              <a:schemeClr val="accent1"/>
+            </a:effectRef>
+            <a:fontRef idx="minor">
+              <a:schemeClr val="lt1"/>
+            </a:fontRef>
+          </p:style>
+        </p:sp>
+        <p:sp>
+          <p:nvSpPr>
+            <p:cNvPr id="27" name="Rectangle 29"/>
+            <p:cNvSpPr/>
+            <p:nvPr/>
+          </p:nvSpPr>
+          <p:spPr>
+            <a:xfrm>
+              <a:off x="10938999" y="-8467"/>
+              <a:ext cx="1249825" cy="6866467"/>
+            </a:xfrm>
+            <a:custGeom>
+              <a:avLst/>
+              <a:gdLst/>
+              <a:ahLst/>
+              <a:cxnLst/>
+              <a:rect l="l" t="t" r="r" b="b"/>
+              <a:pathLst>
+                <a:path w="1249825" h="6858000">
+                  <a:moveTo>
+                    <a:pt x="0" y="0"/>
+                  </a:moveTo>
+                  <a:lnTo>
+                    <a:pt x="1249825" y="0"/>
+                  </a:lnTo>
+                  <a:lnTo>
+                    <a:pt x="1249825" y="6858000"/>
+                  </a:lnTo>
+                  <a:lnTo>
+                    <a:pt x="1109382" y="6858000"/>
+                  </a:lnTo>
+                  <a:lnTo>
+                    <a:pt x="0" y="0"/>
+                  </a:lnTo>
+                  <a:close/>
+                </a:path>
+              </a:pathLst>
+            </a:custGeom>
+            <a:solidFill>
+              <a:schemeClr val="accent1">
+                <a:alpha val="65000"/>
+              </a:schemeClr>
+            </a:solidFill>
+            <a:ln>
+              <a:noFill/>
+            </a:ln>
+            <a:effectLst/>
+          </p:spPr>
+          <p:style>
+            <a:lnRef idx="1">
+              <a:schemeClr val="accent1"/>
+            </a:lnRef>
+            <a:fillRef idx="3">
+              <a:schemeClr val="accent1"/>
+            </a:fillRef>
+            <a:effectRef idx="2">
+              <a:schemeClr val="accent1"/>
+            </a:effectRef>
+            <a:fontRef idx="minor">
+              <a:schemeClr val="lt1"/>
+            </a:fontRef>
+          </p:style>
+        </p:sp>
+        <p:sp>
+          <p:nvSpPr>
+            <p:cNvPr id="28" name="Isosceles Triangle 27"/>
+            <p:cNvSpPr/>
+            <p:nvPr/>
+          </p:nvSpPr>
+          <p:spPr>
+            <a:xfrm>
+              <a:off x="10371666" y="3589867"/>
+              <a:ext cx="1817159" cy="3268133"/>
+            </a:xfrm>
+            <a:prstGeom prst="triangle">
+              <a:avLst>
+                <a:gd name="adj" fmla="val 100000"/>
+              </a:avLst>
+            </a:prstGeom>
+            <a:solidFill>
+              <a:schemeClr val="accent1">
+                <a:alpha val="80000"/>
+              </a:schemeClr>
+            </a:solidFill>
+            <a:ln>
+              <a:noFill/>
+            </a:ln>
+            <a:effectLst/>
+          </p:spPr>
+          <p:style>
+            <a:lnRef idx="1">
+              <a:schemeClr val="accent1"/>
+            </a:lnRef>
+            <a:fillRef idx="3">
+              <a:schemeClr val="accent1"/>
+            </a:fillRef>
+            <a:effectRef idx="2">
+              <a:schemeClr val="accent1"/>
+            </a:effectRef>
+            <a:fontRef idx="minor">
+              <a:schemeClr val="lt1"/>
+            </a:fontRef>
+          </p:style>
+        </p:sp>
+        <p:sp>
+          <p:nvSpPr>
+            <p:cNvPr id="29" name="Isosceles Triangle 28"/>
+            <p:cNvSpPr/>
+            <p:nvPr/>
+          </p:nvSpPr>
+          <p:spPr>
+            <a:xfrm>
+              <a:off x="0" y="4013200"/>
+              <a:ext cx="448733" cy="2844800"/>
+            </a:xfrm>
+            <a:prstGeom prst="triangle">
+              <a:avLst>
+                <a:gd name="adj" fmla="val 0"/>
+              </a:avLst>
+            </a:prstGeom>
+            <a:solidFill>
+              <a:schemeClr val="accent1">
+                <a:alpha val="85000"/>
+              </a:schemeClr>
+            </a:solidFill>
+            <a:ln>
+              <a:noFill/>
+            </a:ln>
+            <a:effectLst/>
+          </p:spPr>
+          <p:style>
+            <a:lnRef idx="1">
+              <a:schemeClr val="accent1"/>
+            </a:lnRef>
+            <a:fillRef idx="3">
+              <a:schemeClr val="accent1"/>
+            </a:fillRef>
+            <a:effectRef idx="2">
+              <a:schemeClr val="accent1"/>
+            </a:effectRef>
+            <a:fontRef idx="minor">
+              <a:schemeClr val="lt1"/>
+            </a:fontRef>
+          </p:style>
+        </p:sp>
+      </p:grpSp>
       <p:sp>
         <p:nvSpPr>
           <p:cNvPr id="2" name="Title Placeholder 1"/>
@@ -2456,15 +5197,15 @@
         </p:nvSpPr>
         <p:spPr>
           <a:xfrm>
-            <a:off x="838200" y="365125"/>
-            <a:ext cx="10515600" cy="1325563"/>
+            <a:off x="677334" y="609600"/>
+            <a:ext cx="8596668" cy="1320800"/>
           </a:xfrm>
           <a:prstGeom prst="rect">
             <a:avLst/>
           </a:prstGeom>
         </p:spPr>
         <p:txBody>
-          <a:bodyPr vert="horz" lIns="91440" tIns="45720" rIns="91440" bIns="45720" rtlCol="0" anchor="ctr">
+          <a:bodyPr vert="horz" lIns="91440" tIns="45720" rIns="91440" bIns="45720" rtlCol="0" anchor="t">
             <a:normAutofit/>
           </a:bodyPr>
           <a:lstStyle/>
@@ -2473,7 +5214,7 @@
               <a:rPr lang="en-US"/>
               <a:t>Click to edit Master title style</a:t>
             </a:r>
-            <a:endParaRPr lang="en-IN"/>
+            <a:endParaRPr lang="en-US" dirty="0"/>
           </a:p>
         </p:txBody>
       </p:sp>
@@ -2489,8 +5230,8 @@
         </p:nvSpPr>
         <p:spPr>
           <a:xfrm>
-            <a:off x="838200" y="1825625"/>
-            <a:ext cx="10515600" cy="4351338"/>
+            <a:off x="677334" y="2160589"/>
+            <a:ext cx="8596668" cy="3880773"/>
           </a:xfrm>
           <a:prstGeom prst="rect">
             <a:avLst/>
@@ -2535,7 +5276,7 @@
               <a:rPr lang="en-US"/>
               <a:t>Fifth level</a:t>
             </a:r>
-            <a:endParaRPr lang="en-IN"/>
+            <a:endParaRPr lang="en-US" dirty="0"/>
           </a:p>
         </p:txBody>
       </p:sp>
@@ -2551,8 +5292,8 @@
         </p:nvSpPr>
         <p:spPr>
           <a:xfrm>
-            <a:off x="838200" y="6356350"/>
-            <a:ext cx="2743200" cy="365125"/>
+            <a:off x="7205133" y="6041362"/>
+            <a:ext cx="911939" cy="365125"/>
           </a:xfrm>
           <a:prstGeom prst="rect">
             <a:avLst/>
@@ -2561,8 +5302,8 @@
         <p:txBody>
           <a:bodyPr vert="horz" lIns="91440" tIns="45720" rIns="91440" bIns="45720" rtlCol="0" anchor="ctr"/>
           <a:lstStyle>
-            <a:lvl1pPr algn="l">
-              <a:defRPr sz="1200">
+            <a:lvl1pPr algn="r">
+              <a:defRPr sz="900">
                 <a:solidFill>
                   <a:schemeClr val="tx1">
                     <a:tint val="75000"/>
@@ -2574,7 +5315,7 @@
           <a:p>
             <a:fld id="{09FE77F2-FD67-4623-8EC6-C4EDA26E065A}" type="datetimeFigureOut">
               <a:rPr lang="en-IN" smtClean="0"/>
-              <a:t>25-09-2021</a:t>
+              <a:t>26-09-2021</a:t>
             </a:fld>
             <a:endParaRPr lang="en-IN"/>
           </a:p>
@@ -2592,8 +5333,8 @@
         </p:nvSpPr>
         <p:spPr>
           <a:xfrm>
-            <a:off x="4038600" y="6356350"/>
-            <a:ext cx="4114800" cy="365125"/>
+            <a:off x="677334" y="6041362"/>
+            <a:ext cx="6297612" cy="365125"/>
           </a:xfrm>
           <a:prstGeom prst="rect">
             <a:avLst/>
@@ -2602,8 +5343,8 @@
         <p:txBody>
           <a:bodyPr vert="horz" lIns="91440" tIns="45720" rIns="91440" bIns="45720" rtlCol="0" anchor="ctr"/>
           <a:lstStyle>
-            <a:lvl1pPr algn="ctr">
-              <a:defRPr sz="1200">
+            <a:lvl1pPr algn="l">
+              <a:defRPr sz="900">
                 <a:solidFill>
                   <a:schemeClr val="tx1">
                     <a:tint val="75000"/>
@@ -2629,8 +5370,8 @@
         </p:nvSpPr>
         <p:spPr>
           <a:xfrm>
-            <a:off x="8610600" y="6356350"/>
-            <a:ext cx="2743200" cy="365125"/>
+            <a:off x="8590663" y="6041362"/>
+            <a:ext cx="683339" cy="365125"/>
           </a:xfrm>
           <a:prstGeom prst="rect">
             <a:avLst/>
@@ -2640,11 +5381,9 @@
           <a:bodyPr vert="horz" lIns="91440" tIns="45720" rIns="91440" bIns="45720" rtlCol="0" anchor="ctr"/>
           <a:lstStyle>
             <a:lvl1pPr algn="r">
-              <a:defRPr sz="1200">
-                <a:solidFill>
-                  <a:schemeClr val="tx1">
-                    <a:tint val="75000"/>
-                  </a:schemeClr>
+              <a:defRPr sz="900">
+                <a:solidFill>
+                  <a:schemeClr val="accent1"/>
                 </a:solidFill>
               </a:defRPr>
             </a:lvl1pPr>
@@ -2661,201 +5400,322 @@
     </p:spTree>
     <p:extLst>
       <p:ext uri="{BB962C8B-B14F-4D97-AF65-F5344CB8AC3E}">
-        <p14:creationId xmlns:p14="http://schemas.microsoft.com/office/powerpoint/2010/main" val="3046199505"/>
+        <p14:creationId xmlns:p14="http://schemas.microsoft.com/office/powerpoint/2010/main" val="3282614667"/>
       </p:ext>
     </p:extLst>
   </p:cSld>
   <p:clrMap bg1="lt1" tx1="dk1" bg2="lt2" tx2="dk2" accent1="accent1" accent2="accent2" accent3="accent3" accent4="accent4" accent5="accent5" accent6="accent6" hlink="hlink" folHlink="folHlink"/>
   <p:sldLayoutIdLst>
-    <p:sldLayoutId id="2147483649" r:id="rId1"/>
-    <p:sldLayoutId id="2147483650" r:id="rId2"/>
-    <p:sldLayoutId id="2147483651" r:id="rId3"/>
-    <p:sldLayoutId id="2147483652" r:id="rId4"/>
-    <p:sldLayoutId id="2147483653" r:id="rId5"/>
-    <p:sldLayoutId id="2147483654" r:id="rId6"/>
-    <p:sldLayoutId id="2147483655" r:id="rId7"/>
-    <p:sldLayoutId id="2147483656" r:id="rId8"/>
-    <p:sldLayoutId id="2147483657" r:id="rId9"/>
-    <p:sldLayoutId id="2147483658" r:id="rId10"/>
-    <p:sldLayoutId id="2147483659" r:id="rId11"/>
+    <p:sldLayoutId id="2147483661" r:id="rId1"/>
+    <p:sldLayoutId id="2147483662" r:id="rId2"/>
+    <p:sldLayoutId id="2147483663" r:id="rId3"/>
+    <p:sldLayoutId id="2147483664" r:id="rId4"/>
+    <p:sldLayoutId id="2147483665" r:id="rId5"/>
+    <p:sldLayoutId id="2147483666" r:id="rId6"/>
+    <p:sldLayoutId id="2147483667" r:id="rId7"/>
+    <p:sldLayoutId id="2147483668" r:id="rId8"/>
+    <p:sldLayoutId id="2147483669" r:id="rId9"/>
+    <p:sldLayoutId id="2147483670" r:id="rId10"/>
+    <p:sldLayoutId id="2147483671" r:id="rId11"/>
+    <p:sldLayoutId id="2147483672" r:id="rId12"/>
+    <p:sldLayoutId id="2147483673" r:id="rId13"/>
+    <p:sldLayoutId id="2147483674" r:id="rId14"/>
+    <p:sldLayoutId id="2147483675" r:id="rId15"/>
+    <p:sldLayoutId id="2147483676" r:id="rId16"/>
   </p:sldLayoutIdLst>
   <p:txStyles>
     <p:titleStyle>
-      <a:lvl1pPr algn="l" defTabSz="914400" rtl="0" eaLnBrk="1" latinLnBrk="0" hangingPunct="1">
-        <a:lnSpc>
-          <a:spcPct val="90000"/>
-        </a:lnSpc>
+      <a:lvl1pPr algn="l" defTabSz="457200" rtl="0" eaLnBrk="1" latinLnBrk="0" hangingPunct="1">
         <a:spcBef>
           <a:spcPct val="0"/>
         </a:spcBef>
         <a:buNone/>
-        <a:defRPr sz="4400" kern="1200">
+        <a:defRPr sz="3600" kern="1200">
           <a:solidFill>
-            <a:schemeClr val="tx1"/>
+            <a:schemeClr val="accent1"/>
           </a:solidFill>
           <a:latin typeface="+mj-lt"/>
           <a:ea typeface="+mj-ea"/>
           <a:cs typeface="+mj-cs"/>
         </a:defRPr>
       </a:lvl1pPr>
+      <a:lvl2pPr eaLnBrk="1" hangingPunct="1">
+        <a:defRPr>
+          <a:solidFill>
+            <a:schemeClr val="tx2"/>
+          </a:solidFill>
+        </a:defRPr>
+      </a:lvl2pPr>
+      <a:lvl3pPr eaLnBrk="1" hangingPunct="1">
+        <a:defRPr>
+          <a:solidFill>
+            <a:schemeClr val="tx2"/>
+          </a:solidFill>
+        </a:defRPr>
+      </a:lvl3pPr>
+      <a:lvl4pPr eaLnBrk="1" hangingPunct="1">
+        <a:defRPr>
+          <a:solidFill>
+            <a:schemeClr val="tx2"/>
+          </a:solidFill>
+        </a:defRPr>
+      </a:lvl4pPr>
+      <a:lvl5pPr eaLnBrk="1" hangingPunct="1">
+        <a:defRPr>
+          <a:solidFill>
+            <a:schemeClr val="tx2"/>
+          </a:solidFill>
+        </a:defRPr>
+      </a:lvl5pPr>
+      <a:lvl6pPr eaLnBrk="1" hangingPunct="1">
+        <a:defRPr>
+          <a:solidFill>
+            <a:schemeClr val="tx2"/>
+          </a:solidFill>
+        </a:defRPr>
+      </a:lvl6pPr>
+      <a:lvl7pPr eaLnBrk="1" hangingPunct="1">
+        <a:defRPr>
+          <a:solidFill>
+            <a:schemeClr val="tx2"/>
+          </a:solidFill>
+        </a:defRPr>
+      </a:lvl7pPr>
+      <a:lvl8pPr eaLnBrk="1" hangingPunct="1">
+        <a:defRPr>
+          <a:solidFill>
+            <a:schemeClr val="tx2"/>
+          </a:solidFill>
+        </a:defRPr>
+      </a:lvl8pPr>
+      <a:lvl9pPr eaLnBrk="1" hangingPunct="1">
+        <a:defRPr>
+          <a:solidFill>
+            <a:schemeClr val="tx2"/>
+          </a:solidFill>
+        </a:defRPr>
+      </a:lvl9pPr>
     </p:titleStyle>
     <p:bodyStyle>
-      <a:lvl1pPr marL="228600" indent="-228600" algn="l" defTabSz="914400" rtl="0" eaLnBrk="1" latinLnBrk="0" hangingPunct="1">
-        <a:lnSpc>
-          <a:spcPct val="90000"/>
-        </a:lnSpc>
+      <a:lvl1pPr marL="342900" indent="-342900" algn="l" defTabSz="457200" rtl="0" eaLnBrk="1" latinLnBrk="0" hangingPunct="1">
         <a:spcBef>
           <a:spcPts val="1000"/>
         </a:spcBef>
-        <a:buFont typeface="Arial" panose="020B0604020202020204" pitchFamily="34" charset="0"/>
-        <a:buChar char="•"/>
-        <a:defRPr sz="2800" kern="1200">
+        <a:spcAft>
+          <a:spcPts val="0"/>
+        </a:spcAft>
+        <a:buClr>
+          <a:schemeClr val="accent1"/>
+        </a:buClr>
+        <a:buSzPct val="80000"/>
+        <a:buFont typeface="Wingdings 3" charset="2"/>
+        <a:buChar char=""/>
+        <a:defRPr sz="1800" kern="1200">
           <a:solidFill>
-            <a:schemeClr val="tx1"/>
+            <a:schemeClr val="tx1">
+              <a:lumMod val="75000"/>
+              <a:lumOff val="25000"/>
+            </a:schemeClr>
           </a:solidFill>
           <a:latin typeface="+mn-lt"/>
           <a:ea typeface="+mn-ea"/>
           <a:cs typeface="+mn-cs"/>
         </a:defRPr>
       </a:lvl1pPr>
-      <a:lvl2pPr marL="685800" indent="-228600" algn="l" defTabSz="914400" rtl="0" eaLnBrk="1" latinLnBrk="0" hangingPunct="1">
-        <a:lnSpc>
-          <a:spcPct val="90000"/>
-        </a:lnSpc>
+      <a:lvl2pPr marL="742950" indent="-285750" algn="l" defTabSz="457200" rtl="0" eaLnBrk="1" latinLnBrk="0" hangingPunct="1">
         <a:spcBef>
-          <a:spcPts val="500"/>
+          <a:spcPts val="1000"/>
         </a:spcBef>
-        <a:buFont typeface="Arial" panose="020B0604020202020204" pitchFamily="34" charset="0"/>
-        <a:buChar char="•"/>
-        <a:defRPr sz="2400" kern="1200">
+        <a:spcAft>
+          <a:spcPts val="0"/>
+        </a:spcAft>
+        <a:buClr>
+          <a:schemeClr val="accent1"/>
+        </a:buClr>
+        <a:buSzPct val="80000"/>
+        <a:buFont typeface="Wingdings 3" charset="2"/>
+        <a:buChar char=""/>
+        <a:defRPr sz="1600" kern="1200">
           <a:solidFill>
-            <a:schemeClr val="tx1"/>
+            <a:schemeClr val="tx1">
+              <a:lumMod val="75000"/>
+              <a:lumOff val="25000"/>
+            </a:schemeClr>
           </a:solidFill>
           <a:latin typeface="+mn-lt"/>
           <a:ea typeface="+mn-ea"/>
           <a:cs typeface="+mn-cs"/>
         </a:defRPr>
       </a:lvl2pPr>
-      <a:lvl3pPr marL="1143000" indent="-228600" algn="l" defTabSz="914400" rtl="0" eaLnBrk="1" latinLnBrk="0" hangingPunct="1">
-        <a:lnSpc>
-          <a:spcPct val="90000"/>
-        </a:lnSpc>
+      <a:lvl3pPr marL="1143000" indent="-228600" algn="l" defTabSz="457200" rtl="0" eaLnBrk="1" latinLnBrk="0" hangingPunct="1">
         <a:spcBef>
-          <a:spcPts val="500"/>
+          <a:spcPts val="1000"/>
         </a:spcBef>
-        <a:buFont typeface="Arial" panose="020B0604020202020204" pitchFamily="34" charset="0"/>
-        <a:buChar char="•"/>
-        <a:defRPr sz="2000" kern="1200">
+        <a:spcAft>
+          <a:spcPts val="0"/>
+        </a:spcAft>
+        <a:buClr>
+          <a:schemeClr val="accent1"/>
+        </a:buClr>
+        <a:buSzPct val="80000"/>
+        <a:buFont typeface="Wingdings 3" charset="2"/>
+        <a:buChar char=""/>
+        <a:defRPr sz="1400" kern="1200">
           <a:solidFill>
-            <a:schemeClr val="tx1"/>
+            <a:schemeClr val="tx1">
+              <a:lumMod val="75000"/>
+              <a:lumOff val="25000"/>
+            </a:schemeClr>
           </a:solidFill>
           <a:latin typeface="+mn-lt"/>
           <a:ea typeface="+mn-ea"/>
           <a:cs typeface="+mn-cs"/>
         </a:defRPr>
       </a:lvl3pPr>
-      <a:lvl4pPr marL="1600200" indent="-228600" algn="l" defTabSz="914400" rtl="0" eaLnBrk="1" latinLnBrk="0" hangingPunct="1">
-        <a:lnSpc>
-          <a:spcPct val="90000"/>
-        </a:lnSpc>
+      <a:lvl4pPr marL="1600200" indent="-228600" algn="l" defTabSz="457200" rtl="0" eaLnBrk="1" latinLnBrk="0" hangingPunct="1">
         <a:spcBef>
-          <a:spcPts val="500"/>
+          <a:spcPts val="1000"/>
         </a:spcBef>
-        <a:buFont typeface="Arial" panose="020B0604020202020204" pitchFamily="34" charset="0"/>
-        <a:buChar char="•"/>
-        <a:defRPr sz="1800" kern="1200">
+        <a:spcAft>
+          <a:spcPts val="0"/>
+        </a:spcAft>
+        <a:buClr>
+          <a:schemeClr val="accent1"/>
+        </a:buClr>
+        <a:buSzPct val="80000"/>
+        <a:buFont typeface="Wingdings 3" charset="2"/>
+        <a:buChar char=""/>
+        <a:defRPr sz="1200" kern="1200">
           <a:solidFill>
-            <a:schemeClr val="tx1"/>
+            <a:schemeClr val="tx1">
+              <a:lumMod val="75000"/>
+              <a:lumOff val="25000"/>
+            </a:schemeClr>
           </a:solidFill>
           <a:latin typeface="+mn-lt"/>
           <a:ea typeface="+mn-ea"/>
           <a:cs typeface="+mn-cs"/>
         </a:defRPr>
       </a:lvl4pPr>
-      <a:lvl5pPr marL="2057400" indent="-228600" algn="l" defTabSz="914400" rtl="0" eaLnBrk="1" latinLnBrk="0" hangingPunct="1">
-        <a:lnSpc>
-          <a:spcPct val="90000"/>
-        </a:lnSpc>
+      <a:lvl5pPr marL="2057400" indent="-228600" algn="l" defTabSz="457200" rtl="0" eaLnBrk="1" latinLnBrk="0" hangingPunct="1">
         <a:spcBef>
-          <a:spcPts val="500"/>
+          <a:spcPts val="1000"/>
         </a:spcBef>
-        <a:buFont typeface="Arial" panose="020B0604020202020204" pitchFamily="34" charset="0"/>
-        <a:buChar char="•"/>
-        <a:defRPr sz="1800" kern="1200">
+        <a:spcAft>
+          <a:spcPts val="0"/>
+        </a:spcAft>
+        <a:buClr>
+          <a:schemeClr val="accent1"/>
+        </a:buClr>
+        <a:buSzPct val="80000"/>
+        <a:buFont typeface="Wingdings 3" charset="2"/>
+        <a:buChar char=""/>
+        <a:defRPr sz="1200" kern="1200">
           <a:solidFill>
-            <a:schemeClr val="tx1"/>
+            <a:schemeClr val="tx1">
+              <a:lumMod val="75000"/>
+              <a:lumOff val="25000"/>
+            </a:schemeClr>
           </a:solidFill>
           <a:latin typeface="+mn-lt"/>
           <a:ea typeface="+mn-ea"/>
           <a:cs typeface="+mn-cs"/>
         </a:defRPr>
       </a:lvl5pPr>
-      <a:lvl6pPr marL="2514600" indent="-228600" algn="l" defTabSz="914400" rtl="0" eaLnBrk="1" latinLnBrk="0" hangingPunct="1">
-        <a:lnSpc>
-          <a:spcPct val="90000"/>
-        </a:lnSpc>
+      <a:lvl6pPr marL="2514600" indent="-228600" algn="l" defTabSz="457200" rtl="0" eaLnBrk="1" latinLnBrk="0" hangingPunct="1">
         <a:spcBef>
-          <a:spcPts val="500"/>
+          <a:spcPts val="1000"/>
         </a:spcBef>
-        <a:buFont typeface="Arial" panose="020B0604020202020204" pitchFamily="34" charset="0"/>
-        <a:buChar char="•"/>
-        <a:defRPr sz="1800" kern="1200">
+        <a:spcAft>
+          <a:spcPts val="0"/>
+        </a:spcAft>
+        <a:buClr>
+          <a:schemeClr val="accent1"/>
+        </a:buClr>
+        <a:buSzPct val="80000"/>
+        <a:buFont typeface="Wingdings 3" charset="2"/>
+        <a:buChar char=""/>
+        <a:defRPr sz="1200" kern="1200">
           <a:solidFill>
-            <a:schemeClr val="tx1"/>
+            <a:schemeClr val="tx1">
+              <a:lumMod val="75000"/>
+              <a:lumOff val="25000"/>
+            </a:schemeClr>
           </a:solidFill>
           <a:latin typeface="+mn-lt"/>
           <a:ea typeface="+mn-ea"/>
           <a:cs typeface="+mn-cs"/>
         </a:defRPr>
       </a:lvl6pPr>
-      <a:lvl7pPr marL="2971800" indent="-228600" algn="l" defTabSz="914400" rtl="0" eaLnBrk="1" latinLnBrk="0" hangingPunct="1">
-        <a:lnSpc>
-          <a:spcPct val="90000"/>
-        </a:lnSpc>
+      <a:lvl7pPr marL="2971800" indent="-228600" algn="l" defTabSz="457200" rtl="0" eaLnBrk="1" latinLnBrk="0" hangingPunct="1">
         <a:spcBef>
-          <a:spcPts val="500"/>
+          <a:spcPts val="1000"/>
         </a:spcBef>
-        <a:buFont typeface="Arial" panose="020B0604020202020204" pitchFamily="34" charset="0"/>
-        <a:buChar char="•"/>
-        <a:defRPr sz="1800" kern="1200">
+        <a:spcAft>
+          <a:spcPts val="0"/>
+        </a:spcAft>
+        <a:buClr>
+          <a:schemeClr val="accent1"/>
+        </a:buClr>
+        <a:buSzPct val="80000"/>
+        <a:buFont typeface="Wingdings 3" charset="2"/>
+        <a:buChar char=""/>
+        <a:defRPr sz="1200" kern="1200">
           <a:solidFill>
-            <a:schemeClr val="tx1"/>
+            <a:schemeClr val="tx1">
+              <a:lumMod val="75000"/>
+              <a:lumOff val="25000"/>
+            </a:schemeClr>
           </a:solidFill>
           <a:latin typeface="+mn-lt"/>
           <a:ea typeface="+mn-ea"/>
           <a:cs typeface="+mn-cs"/>
         </a:defRPr>
       </a:lvl7pPr>
-      <a:lvl8pPr marL="3429000" indent="-228600" algn="l" defTabSz="914400" rtl="0" eaLnBrk="1" latinLnBrk="0" hangingPunct="1">
-        <a:lnSpc>
-          <a:spcPct val="90000"/>
-        </a:lnSpc>
+      <a:lvl8pPr marL="3429000" indent="-228600" algn="l" defTabSz="457200" rtl="0" eaLnBrk="1" latinLnBrk="0" hangingPunct="1">
         <a:spcBef>
-          <a:spcPts val="500"/>
+          <a:spcPts val="1000"/>
         </a:spcBef>
-        <a:buFont typeface="Arial" panose="020B0604020202020204" pitchFamily="34" charset="0"/>
-        <a:buChar char="•"/>
-        <a:defRPr sz="1800" kern="1200">
+        <a:spcAft>
+          <a:spcPts val="0"/>
+        </a:spcAft>
+        <a:buClr>
+          <a:schemeClr val="accent1"/>
+        </a:buClr>
+        <a:buSzPct val="80000"/>
+        <a:buFont typeface="Wingdings 3" charset="2"/>
+        <a:buChar char=""/>
+        <a:defRPr sz="1200" kern="1200">
           <a:solidFill>
-            <a:schemeClr val="tx1"/>
+            <a:schemeClr val="tx1">
+              <a:lumMod val="75000"/>
+              <a:lumOff val="25000"/>
+            </a:schemeClr>
           </a:solidFill>
           <a:latin typeface="+mn-lt"/>
           <a:ea typeface="+mn-ea"/>
           <a:cs typeface="+mn-cs"/>
         </a:defRPr>
       </a:lvl8pPr>
-      <a:lvl9pPr marL="3886200" indent="-228600" algn="l" defTabSz="914400" rtl="0" eaLnBrk="1" latinLnBrk="0" hangingPunct="1">
-        <a:lnSpc>
-          <a:spcPct val="90000"/>
-        </a:lnSpc>
+      <a:lvl9pPr marL="3886200" indent="-228600" algn="l" defTabSz="457200" rtl="0" eaLnBrk="1" latinLnBrk="0" hangingPunct="1">
         <a:spcBef>
-          <a:spcPts val="500"/>
+          <a:spcPts val="1000"/>
         </a:spcBef>
-        <a:buFont typeface="Arial" panose="020B0604020202020204" pitchFamily="34" charset="0"/>
-        <a:buChar char="•"/>
-        <a:defRPr sz="1800" kern="1200">
+        <a:spcAft>
+          <a:spcPts val="0"/>
+        </a:spcAft>
+        <a:buClr>
+          <a:schemeClr val="accent1"/>
+        </a:buClr>
+        <a:buSzPct val="80000"/>
+        <a:buFont typeface="Wingdings 3" charset="2"/>
+        <a:buChar char=""/>
+        <a:defRPr sz="1200" kern="1200">
           <a:solidFill>
-            <a:schemeClr val="tx1"/>
+            <a:schemeClr val="tx1">
+              <a:lumMod val="75000"/>
+              <a:lumOff val="25000"/>
+            </a:schemeClr>
           </a:solidFill>
           <a:latin typeface="+mn-lt"/>
           <a:ea typeface="+mn-ea"/>
@@ -2867,7 +5727,7 @@
       <a:defPPr>
         <a:defRPr lang="en-US"/>
       </a:defPPr>
-      <a:lvl1pPr marL="0" algn="l" defTabSz="914400" rtl="0" eaLnBrk="1" latinLnBrk="0" hangingPunct="1">
+      <a:lvl1pPr marL="0" algn="l" defTabSz="457200" rtl="0" eaLnBrk="1" latinLnBrk="0" hangingPunct="1">
         <a:defRPr sz="1800" kern="1200">
           <a:solidFill>
             <a:schemeClr val="tx1"/>
@@ -2877,7 +5737,7 @@
           <a:cs typeface="+mn-cs"/>
         </a:defRPr>
       </a:lvl1pPr>
-      <a:lvl2pPr marL="457200" algn="l" defTabSz="914400" rtl="0" eaLnBrk="1" latinLnBrk="0" hangingPunct="1">
+      <a:lvl2pPr marL="457200" algn="l" defTabSz="457200" rtl="0" eaLnBrk="1" latinLnBrk="0" hangingPunct="1">
         <a:defRPr sz="1800" kern="1200">
           <a:solidFill>
             <a:schemeClr val="tx1"/>
@@ -2887,7 +5747,7 @@
           <a:cs typeface="+mn-cs"/>
         </a:defRPr>
       </a:lvl2pPr>
-      <a:lvl3pPr marL="914400" algn="l" defTabSz="914400" rtl="0" eaLnBrk="1" latinLnBrk="0" hangingPunct="1">
+      <a:lvl3pPr marL="914400" algn="l" defTabSz="457200" rtl="0" eaLnBrk="1" latinLnBrk="0" hangingPunct="1">
         <a:defRPr sz="1800" kern="1200">
           <a:solidFill>
             <a:schemeClr val="tx1"/>
@@ -2897,7 +5757,7 @@
           <a:cs typeface="+mn-cs"/>
         </a:defRPr>
       </a:lvl3pPr>
-      <a:lvl4pPr marL="1371600" algn="l" defTabSz="914400" rtl="0" eaLnBrk="1" latinLnBrk="0" hangingPunct="1">
+      <a:lvl4pPr marL="1371600" algn="l" defTabSz="457200" rtl="0" eaLnBrk="1" latinLnBrk="0" hangingPunct="1">
         <a:defRPr sz="1800" kern="1200">
           <a:solidFill>
             <a:schemeClr val="tx1"/>
@@ -2907,7 +5767,7 @@
           <a:cs typeface="+mn-cs"/>
         </a:defRPr>
       </a:lvl4pPr>
-      <a:lvl5pPr marL="1828800" algn="l" defTabSz="914400" rtl="0" eaLnBrk="1" latinLnBrk="0" hangingPunct="1">
+      <a:lvl5pPr marL="1828800" algn="l" defTabSz="457200" rtl="0" eaLnBrk="1" latinLnBrk="0" hangingPunct="1">
         <a:defRPr sz="1800" kern="1200">
           <a:solidFill>
             <a:schemeClr val="tx1"/>
@@ -2917,7 +5777,7 @@
           <a:cs typeface="+mn-cs"/>
         </a:defRPr>
       </a:lvl5pPr>
-      <a:lvl6pPr marL="2286000" algn="l" defTabSz="914400" rtl="0" eaLnBrk="1" latinLnBrk="0" hangingPunct="1">
+      <a:lvl6pPr marL="2286000" algn="l" defTabSz="457200" rtl="0" eaLnBrk="1" latinLnBrk="0" hangingPunct="1">
         <a:defRPr sz="1800" kern="1200">
           <a:solidFill>
             <a:schemeClr val="tx1"/>
@@ -2927,7 +5787,7 @@
           <a:cs typeface="+mn-cs"/>
         </a:defRPr>
       </a:lvl6pPr>
-      <a:lvl7pPr marL="2743200" algn="l" defTabSz="914400" rtl="0" eaLnBrk="1" latinLnBrk="0" hangingPunct="1">
+      <a:lvl7pPr marL="2743200" algn="l" defTabSz="457200" rtl="0" eaLnBrk="1" latinLnBrk="0" hangingPunct="1">
         <a:defRPr sz="1800" kern="1200">
           <a:solidFill>
             <a:schemeClr val="tx1"/>
@@ -2937,7 +5797,7 @@
           <a:cs typeface="+mn-cs"/>
         </a:defRPr>
       </a:lvl7pPr>
-      <a:lvl8pPr marL="3200400" algn="l" defTabSz="914400" rtl="0" eaLnBrk="1" latinLnBrk="0" hangingPunct="1">
+      <a:lvl8pPr marL="3200400" algn="l" defTabSz="457200" rtl="0" eaLnBrk="1" latinLnBrk="0" hangingPunct="1">
         <a:defRPr sz="1800" kern="1200">
           <a:solidFill>
             <a:schemeClr val="tx1"/>
@@ -2947,7 +5807,7 @@
           <a:cs typeface="+mn-cs"/>
         </a:defRPr>
       </a:lvl8pPr>
-      <a:lvl9pPr marL="3657600" algn="l" defTabSz="914400" rtl="0" eaLnBrk="1" latinLnBrk="0" hangingPunct="1">
+      <a:lvl9pPr marL="3657600" algn="l" defTabSz="457200" rtl="0" eaLnBrk="1" latinLnBrk="0" hangingPunct="1">
         <a:defRPr sz="1800" kern="1200">
           <a:solidFill>
             <a:schemeClr val="tx1"/>
@@ -3373,7 +6233,7 @@
         <p:spPr>
           <a:xfrm>
             <a:off x="721217" y="1305342"/>
-            <a:ext cx="10264462" cy="3970318"/>
+            <a:ext cx="8475792" cy="4524315"/>
           </a:xfrm>
           <a:prstGeom prst="rect">
             <a:avLst/>
@@ -3394,7 +6254,7 @@
                 <a:latin typeface="Verdana" panose="020B0604030504040204" pitchFamily="34" charset="0"/>
                 <a:ea typeface="Verdana" panose="020B0604030504040204" pitchFamily="34" charset="0"/>
               </a:rPr>
-              <a:t>					9. </a:t>
+              <a:t>								9. </a:t>
             </a:r>
             <a:r>
               <a:rPr lang="en-US" b="1" i="0" u="sng" dirty="0" err="1">
@@ -3648,7 +6508,7 @@
         <p:spPr>
           <a:xfrm>
             <a:off x="1060175" y="1664488"/>
-            <a:ext cx="9846364" cy="3416320"/>
+            <a:ext cx="8719929" cy="3693319"/>
           </a:xfrm>
           <a:prstGeom prst="rect">
             <a:avLst/>
@@ -3669,7 +6529,7 @@
                 <a:latin typeface="Verdana" panose="020B0604030504040204" pitchFamily="34" charset="0"/>
                 <a:ea typeface="Verdana" panose="020B0604030504040204" pitchFamily="34" charset="0"/>
               </a:rPr>
-              <a:t>			10. </a:t>
+              <a:t>							10. </a:t>
             </a:r>
             <a:r>
               <a:rPr lang="en-US" b="1" i="0" u="sng" dirty="0" err="1">
@@ -3846,8 +6706,8 @@
         </p:nvSpPr>
         <p:spPr>
           <a:xfrm>
-            <a:off x="953036" y="367067"/>
-            <a:ext cx="10740980" cy="5909310"/>
+            <a:off x="953036" y="39757"/>
+            <a:ext cx="8919834" cy="6740307"/>
           </a:xfrm>
           <a:prstGeom prst="rect">
             <a:avLst/>
@@ -3911,9 +6771,18 @@
             </a:r>
             <a:r>
               <a:rPr lang="en-US" dirty="0" err="1">
-                <a:latin typeface="Verdana" panose="020B0604030504040204" pitchFamily="34" charset="0"/>
-                <a:ea typeface="Verdana" panose="020B0604030504040204" pitchFamily="34" charset="0"/>
-                <a:hlinkClick r:id="rId2" tooltip="TensorFlow"/>
+                <a:solidFill>
+                  <a:srgbClr val="00B0F0"/>
+                </a:solidFill>
+                <a:latin typeface="Verdana" panose="020B0604030504040204" pitchFamily="34" charset="0"/>
+                <a:ea typeface="Verdana" panose="020B0604030504040204" pitchFamily="34" charset="0"/>
+                <a:hlinkClick r:id="rId2" tooltip="TensorFlow">
+                  <a:extLst>
+                    <a:ext uri="{A12FA001-AC4F-418D-AE19-62706E023703}">
+                      <ahyp:hlinkClr xmlns:ahyp="http://schemas.microsoft.com/office/drawing/2018/hyperlinkcolor" val="tx"/>
+                    </a:ext>
+                  </a:extLst>
+                </a:hlinkClick>
               </a:rPr>
               <a:t>TensorFlow</a:t>
             </a:r>
@@ -4133,8 +7002,8 @@
         </p:nvSpPr>
         <p:spPr>
           <a:xfrm>
-            <a:off x="1236372" y="649357"/>
-            <a:ext cx="9672034" cy="6186309"/>
+            <a:off x="693032" y="649357"/>
+            <a:ext cx="9060568" cy="5909310"/>
           </a:xfrm>
           <a:prstGeom prst="rect">
             <a:avLst/>
@@ -4165,7 +7034,7 @@
                 <a:latin typeface="Verdana" panose="020B0604030504040204" pitchFamily="34" charset="0"/>
                 <a:ea typeface="Verdana" panose="020B0604030504040204" pitchFamily="34" charset="0"/>
               </a:rPr>
-              <a:t>	</a:t>
+              <a:t>						</a:t>
             </a:r>
             <a:r>
               <a:rPr lang="en-IN" b="1" i="0" dirty="0">
@@ -4463,14 +7332,6 @@
               </a:rPr>
               <a:t>Linear algebra</a:t>
             </a:r>
-          </a:p>
-          <a:p>
-            <a:br>
-              <a:rPr lang="en-US" dirty="0">
-                <a:latin typeface="Verdana" panose="020B0604030504040204" pitchFamily="34" charset="0"/>
-                <a:ea typeface="Verdana" panose="020B0604030504040204" pitchFamily="34" charset="0"/>
-              </a:rPr>
-            </a:br>
             <a:endParaRPr lang="en-IN" b="0" i="0" dirty="0">
               <a:solidFill>
                 <a:srgbClr val="272C37"/>
@@ -4520,8 +7381,8 @@
         </p:nvSpPr>
         <p:spPr>
           <a:xfrm>
-            <a:off x="1262130" y="519111"/>
-            <a:ext cx="10264462" cy="6186309"/>
+            <a:off x="665783" y="519111"/>
+            <a:ext cx="8981800" cy="6186309"/>
           </a:xfrm>
           <a:prstGeom prst="rect">
             <a:avLst/>
@@ -4541,7 +7402,7 @@
                 <a:effectLst/>
                 <a:latin typeface="Roboto"/>
               </a:rPr>
-              <a:t>				3. </a:t>
+              <a:t>								3. </a:t>
             </a:r>
             <a:r>
               <a:rPr lang="en-US" b="1" i="0" u="sng" dirty="0" err="1">
@@ -4840,52 +7701,8 @@
                 <a:latin typeface="Verdana" panose="020B0604030504040204" pitchFamily="34" charset="0"/>
                 <a:ea typeface="Verdana" panose="020B0604030504040204" pitchFamily="34" charset="0"/>
               </a:rPr>
-              <a:t>Replacement of MATLAB when used with </a:t>
-            </a:r>
-            <a:r>
-              <a:rPr lang="en-US" b="0" i="0" dirty="0" err="1">
-                <a:solidFill>
-                  <a:srgbClr val="51565E"/>
-                </a:solidFill>
-                <a:effectLst/>
-                <a:latin typeface="Verdana" panose="020B0604030504040204" pitchFamily="34" charset="0"/>
-                <a:ea typeface="Verdana" panose="020B0604030504040204" pitchFamily="34" charset="0"/>
-              </a:rPr>
-              <a:t>SciPy</a:t>
-            </a:r>
-            <a:r>
-              <a:rPr lang="en-US" b="0" i="0" dirty="0">
-                <a:solidFill>
-                  <a:srgbClr val="51565E"/>
-                </a:solidFill>
-                <a:effectLst/>
-                <a:latin typeface="Verdana" panose="020B0604030504040204" pitchFamily="34" charset="0"/>
-                <a:ea typeface="Verdana" panose="020B0604030504040204" pitchFamily="34" charset="0"/>
-              </a:rPr>
-              <a:t> and </a:t>
-            </a:r>
-            <a:r>
-              <a:rPr lang="en-US" b="0" i="0" dirty="0" err="1">
-                <a:solidFill>
-                  <a:srgbClr val="51565E"/>
-                </a:solidFill>
-                <a:effectLst/>
-                <a:latin typeface="Verdana" panose="020B0604030504040204" pitchFamily="34" charset="0"/>
-                <a:ea typeface="Verdana" panose="020B0604030504040204" pitchFamily="34" charset="0"/>
-              </a:rPr>
-              <a:t>matplotlib</a:t>
-            </a:r>
-            <a:endParaRPr lang="en-US" b="0" i="0" dirty="0">
-              <a:solidFill>
-                <a:srgbClr val="51565E"/>
-              </a:solidFill>
-              <a:effectLst/>
-              <a:latin typeface="Verdana" panose="020B0604030504040204" pitchFamily="34" charset="0"/>
-              <a:ea typeface="Verdana" panose="020B0604030504040204" pitchFamily="34" charset="0"/>
-            </a:endParaRPr>
-          </a:p>
-          <a:p>
-            <a:endParaRPr lang="en-IN" dirty="0"/>
+              <a:t>Replacement of MATLAB when used with SciPy and matplotlib</a:t>
+            </a:r>
           </a:p>
         </p:txBody>
       </p:sp>
@@ -4927,8 +7744,8 @@
         </p:nvSpPr>
         <p:spPr>
           <a:xfrm>
-            <a:off x="669701" y="11033"/>
-            <a:ext cx="10856891" cy="6463308"/>
+            <a:off x="993912" y="437321"/>
+            <a:ext cx="9700592" cy="6463308"/>
           </a:xfrm>
           <a:prstGeom prst="rect">
             <a:avLst/>
@@ -4948,7 +7765,7 @@
                 <a:effectLst/>
                 <a:latin typeface="Roboto"/>
               </a:rPr>
-              <a:t>					4. </a:t>
+              <a:t>								4. </a:t>
             </a:r>
             <a:r>
               <a:rPr lang="en-US" b="1" i="0" u="sng" dirty="0">
@@ -5106,16 +7923,6 @@
               </a:rPr>
               <a:t>, such as data frame CDs, which are designed to work with structured data very easily and intuitively. </a:t>
             </a:r>
-          </a:p>
-          <a:p>
-            <a:endParaRPr lang="en-US" b="0" i="0" dirty="0">
-              <a:solidFill>
-                <a:srgbClr val="51565E"/>
-              </a:solidFill>
-              <a:effectLst/>
-              <a:latin typeface="Verdana" panose="020B0604030504040204" pitchFamily="34" charset="0"/>
-              <a:ea typeface="Verdana" panose="020B0604030504040204" pitchFamily="34" charset="0"/>
-            </a:endParaRPr>
           </a:p>
           <a:p>
             <a:r>
@@ -5376,8 +8183,8 @@
         </p:nvSpPr>
         <p:spPr>
           <a:xfrm>
-            <a:off x="450761" y="516772"/>
-            <a:ext cx="10882647" cy="5909310"/>
+            <a:off x="1007170" y="66198"/>
+            <a:ext cx="8825947" cy="6740307"/>
           </a:xfrm>
           <a:prstGeom prst="rect">
             <a:avLst/>
@@ -5398,7 +8205,7 @@
                 <a:latin typeface="Verdana" panose="020B0604030504040204" pitchFamily="34" charset="0"/>
                 <a:ea typeface="Verdana" panose="020B0604030504040204" pitchFamily="34" charset="0"/>
               </a:rPr>
-              <a:t>					5. </a:t>
+              <a:t>									5. </a:t>
             </a:r>
             <a:r>
               <a:rPr lang="en-US" b="1" i="0" u="sng" dirty="0" err="1">
@@ -5628,12 +8435,6 @@
               </a:rPr>
               <a:t>Visualize the distribution of data to gain instant insights</a:t>
             </a:r>
-          </a:p>
-          <a:p>
-            <a:endParaRPr lang="en-IN" dirty="0">
-              <a:latin typeface="Verdana" panose="020B0604030504040204" pitchFamily="34" charset="0"/>
-              <a:ea typeface="Verdana" panose="020B0604030504040204" pitchFamily="34" charset="0"/>
-            </a:endParaRPr>
           </a:p>
         </p:txBody>
       </p:sp>
@@ -5675,8 +8476,8 @@
         </p:nvSpPr>
         <p:spPr>
           <a:xfrm>
-            <a:off x="373487" y="574208"/>
-            <a:ext cx="10393251" cy="5355312"/>
+            <a:off x="702364" y="574208"/>
+            <a:ext cx="8706679" cy="5909310"/>
           </a:xfrm>
           <a:prstGeom prst="rect">
             <a:avLst/>
@@ -5696,7 +8497,7 @@
                 <a:effectLst/>
                 <a:latin typeface="Roboto"/>
               </a:rPr>
-              <a:t>					6. </a:t>
+              <a:t>								6. </a:t>
             </a:r>
             <a:r>
               <a:rPr lang="en-US" b="1" i="0" u="sng" dirty="0" err="1">
@@ -6137,8 +8938,8 @@
         </p:nvSpPr>
         <p:spPr>
           <a:xfrm>
-            <a:off x="515155" y="1443841"/>
-            <a:ext cx="11114468" cy="3970318"/>
+            <a:off x="914399" y="1443841"/>
+            <a:ext cx="9064487" cy="4247317"/>
           </a:xfrm>
           <a:prstGeom prst="rect">
             <a:avLst/>
@@ -6159,7 +8960,7 @@
                 <a:latin typeface="Verdana" panose="020B0604030504040204" pitchFamily="34" charset="0"/>
                 <a:ea typeface="Verdana" panose="020B0604030504040204" pitchFamily="34" charset="0"/>
               </a:rPr>
-              <a:t>				7. </a:t>
+              <a:t>								7. </a:t>
             </a:r>
             <a:r>
               <a:rPr lang="en-US" b="1" i="0" u="sng" dirty="0" err="1">
@@ -6428,8 +9229,8 @@
         </p:nvSpPr>
         <p:spPr>
           <a:xfrm>
-            <a:off x="785610" y="1166843"/>
-            <a:ext cx="10531747" cy="3693319"/>
+            <a:off x="785611" y="1166843"/>
+            <a:ext cx="8822216" cy="3970318"/>
           </a:xfrm>
           <a:prstGeom prst="rect">
             <a:avLst/>
@@ -6449,7 +9250,7 @@
                 <a:effectLst/>
                 <a:latin typeface="Roboto"/>
               </a:rPr>
-              <a:t>				8. </a:t>
+              <a:t>								8. </a:t>
             </a:r>
             <a:r>
               <a:rPr lang="en-US" b="1" i="0" u="sng" dirty="0" err="1">
@@ -6671,9 +9472,9 @@
 </file>
 
 <file path=ppt/theme/theme1.xml><?xml version="1.0" encoding="utf-8"?>
-<a:theme xmlns:a="http://schemas.openxmlformats.org/drawingml/2006/main" name="Office Theme">
+<a:theme xmlns:a="http://schemas.openxmlformats.org/drawingml/2006/main" name="Facet">
   <a:themeElements>
-    <a:clrScheme name="Office">
+    <a:clrScheme name="Yellow Orange">
       <a:dk1>
         <a:sysClr val="windowText" lastClr="000000"/>
       </a:dk1>
@@ -6681,52 +9482,52 @@
         <a:sysClr val="window" lastClr="FFFFFF"/>
       </a:lt1>
       <a:dk2>
-        <a:srgbClr val="44546A"/>
+        <a:srgbClr val="4E3B30"/>
       </a:dk2>
       <a:lt2>
-        <a:srgbClr val="E7E6E6"/>
+        <a:srgbClr val="FBEEC9"/>
       </a:lt2>
       <a:accent1>
-        <a:srgbClr val="5B9BD5"/>
+        <a:srgbClr val="F0A22E"/>
       </a:accent1>
       <a:accent2>
-        <a:srgbClr val="ED7D31"/>
+        <a:srgbClr val="A5644E"/>
       </a:accent2>
       <a:accent3>
-        <a:srgbClr val="A5A5A5"/>
+        <a:srgbClr val="B58B80"/>
       </a:accent3>
       <a:accent4>
-        <a:srgbClr val="FFC000"/>
+        <a:srgbClr val="C3986D"/>
       </a:accent4>
       <a:accent5>
-        <a:srgbClr val="4472C4"/>
+        <a:srgbClr val="A19574"/>
       </a:accent5>
       <a:accent6>
-        <a:srgbClr val="70AD47"/>
+        <a:srgbClr val="C17529"/>
       </a:accent6>
       <a:hlink>
-        <a:srgbClr val="0563C1"/>
+        <a:srgbClr val="AD1F1F"/>
       </a:hlink>
       <a:folHlink>
-        <a:srgbClr val="954F72"/>
+        <a:srgbClr val="FFC42F"/>
       </a:folHlink>
     </a:clrScheme>
-    <a:fontScheme name="Office">
+    <a:fontScheme name="Facet">
       <a:majorFont>
-        <a:latin typeface="Calibri Light" panose="020F0302020204030204"/>
+        <a:latin typeface="Trebuchet MS" panose="020B0603020202020204"/>
         <a:ea typeface=""/>
         <a:cs typeface=""/>
-        <a:font script="Jpan" typeface="ＭＳ Ｐゴシック"/>
+        <a:font script="Jpan" typeface="メイリオ"/>
         <a:font script="Hang" typeface="맑은 고딕"/>
-        <a:font script="Hans" typeface="宋体"/>
-        <a:font script="Hant" typeface="新細明體"/>
-        <a:font script="Arab" typeface="Times New Roman"/>
-        <a:font script="Hebr" typeface="Times New Roman"/>
-        <a:font script="Thai" typeface="Angsana New"/>
+        <a:font script="Hans" typeface="方正姚体"/>
+        <a:font script="Hant" typeface="微軟正黑體"/>
+        <a:font script="Arab" typeface="Tahoma"/>
+        <a:font script="Hebr" typeface="Arial"/>
+        <a:font script="Thai" typeface="Cordia New"/>
         <a:font script="Ethi" typeface="Nyala"/>
         <a:font script="Beng" typeface="Vrinda"/>
         <a:font script="Gujr" typeface="Shruti"/>
-        <a:font script="Khmr" typeface="MoolBoran"/>
+        <a:font script="Khmr" typeface="DaunPenh"/>
         <a:font script="Knda" typeface="Tunga"/>
         <a:font script="Guru" typeface="Raavi"/>
         <a:font script="Cans" typeface="Euphemia"/>
@@ -6743,21 +9544,21 @@
         <a:font script="Laoo" typeface="DokChampa"/>
         <a:font script="Sinh" typeface="Iskoola Pota"/>
         <a:font script="Mong" typeface="Mongolian Baiti"/>
-        <a:font script="Viet" typeface="Times New Roman"/>
+        <a:font script="Viet" typeface="Tahoma"/>
         <a:font script="Uigh" typeface="Microsoft Uighur"/>
         <a:font script="Geor" typeface="Sylfaen"/>
       </a:majorFont>
       <a:minorFont>
-        <a:latin typeface="Calibri" panose="020F0502020204030204"/>
+        <a:latin typeface="Trebuchet MS" panose="020B0603020202020204"/>
         <a:ea typeface=""/>
         <a:cs typeface=""/>
-        <a:font script="Jpan" typeface="ＭＳ Ｐゴシック"/>
-        <a:font script="Hang" typeface="맑은 고딕"/>
-        <a:font script="Hans" typeface="宋体"/>
-        <a:font script="Hant" typeface="新細明體"/>
-        <a:font script="Arab" typeface="Arial"/>
-        <a:font script="Hebr" typeface="Arial"/>
-        <a:font script="Thai" typeface="Cordia New"/>
+        <a:font script="Jpan" typeface="メイリオ"/>
+        <a:font script="Hang" typeface="HY그래픽M"/>
+        <a:font script="Hans" typeface="华文新魏"/>
+        <a:font script="Hant" typeface="微軟正黑體"/>
+        <a:font script="Arab" typeface="Tahoma"/>
+        <a:font script="Hebr" typeface="Gisha"/>
+        <a:font script="Thai" typeface="IrisUPC"/>
         <a:font script="Ethi" typeface="Nyala"/>
         <a:font script="Beng" typeface="Vrinda"/>
         <a:font script="Gujr" typeface="Shruti"/>
@@ -6783,7 +9584,7 @@
         <a:font script="Geor" typeface="Sylfaen"/>
       </a:minorFont>
     </a:fontScheme>
-    <a:fmtScheme name="Office">
+    <a:fmtScheme name="Facet">
       <a:fillStyleLst>
         <a:solidFill>
           <a:schemeClr val="phClr"/>
@@ -6792,23 +9593,13 @@
           <a:gsLst>
             <a:gs pos="0">
               <a:schemeClr val="phClr">
+                <a:tint val="65000"/>
                 <a:lumMod val="110000"/>
-                <a:satMod val="105000"/>
-                <a:tint val="67000"/>
               </a:schemeClr>
             </a:gs>
-            <a:gs pos="50000">
+            <a:gs pos="88000">
               <a:schemeClr val="phClr">
-                <a:lumMod val="105000"/>
-                <a:satMod val="103000"/>
-                <a:tint val="73000"/>
-              </a:schemeClr>
-            </a:gs>
-            <a:gs pos="100000">
-              <a:schemeClr val="phClr">
-                <a:lumMod val="105000"/>
-                <a:satMod val="109000"/>
-                <a:tint val="81000"/>
+                <a:tint val="90000"/>
               </a:schemeClr>
             </a:gs>
           </a:gsLst>
@@ -6818,23 +9609,14 @@
           <a:gsLst>
             <a:gs pos="0">
               <a:schemeClr val="phClr">
-                <a:satMod val="103000"/>
-                <a:lumMod val="102000"/>
-                <a:tint val="94000"/>
+                <a:tint val="96000"/>
+                <a:lumMod val="100000"/>
               </a:schemeClr>
             </a:gs>
-            <a:gs pos="50000">
+            <a:gs pos="78000">
               <a:schemeClr val="phClr">
-                <a:satMod val="110000"/>
-                <a:lumMod val="100000"/>
-                <a:shade val="100000"/>
-              </a:schemeClr>
-            </a:gs>
-            <a:gs pos="100000">
-              <a:schemeClr val="phClr">
-                <a:lumMod val="99000"/>
-                <a:satMod val="120000"/>
-                <a:shade val="78000"/>
+                <a:shade val="94000"/>
+                <a:lumMod val="94000"/>
               </a:schemeClr>
             </a:gs>
           </a:gsLst>
@@ -6842,26 +9624,23 @@
         </a:gradFill>
       </a:fillStyleLst>
       <a:lnStyleLst>
-        <a:ln w="6350" cap="flat" cmpd="sng" algn="ctr">
+        <a:ln w="12700" cap="rnd" cmpd="sng" algn="ctr">
           <a:solidFill>
             <a:schemeClr val="phClr"/>
           </a:solidFill>
           <a:prstDash val="solid"/>
-          <a:miter lim="800000"/>
         </a:ln>
-        <a:ln w="12700" cap="flat" cmpd="sng" algn="ctr">
+        <a:ln w="19050" cap="rnd" cmpd="sng" algn="ctr">
           <a:solidFill>
             <a:schemeClr val="phClr"/>
           </a:solidFill>
           <a:prstDash val="solid"/>
-          <a:miter lim="800000"/>
         </a:ln>
-        <a:ln w="19050" cap="flat" cmpd="sng" algn="ctr">
+        <a:ln w="25400" cap="rnd" cmpd="sng" algn="ctr">
           <a:solidFill>
             <a:schemeClr val="phClr"/>
           </a:solidFill>
           <a:prstDash val="solid"/>
-          <a:miter lim="800000"/>
         </a:ln>
       </a:lnStyleLst>
       <a:effectStyleLst>
@@ -6869,54 +9648,72 @@
           <a:effectLst/>
         </a:effectStyle>
         <a:effectStyle>
-          <a:effectLst/>
+          <a:effectLst>
+            <a:outerShdw blurRad="38100" dist="25400" dir="5400000" rotWithShape="0">
+              <a:srgbClr val="000000">
+                <a:alpha val="35000"/>
+              </a:srgbClr>
+            </a:outerShdw>
+          </a:effectLst>
         </a:effectStyle>
         <a:effectStyle>
           <a:effectLst>
-            <a:outerShdw blurRad="57150" dist="19050" dir="5400000" algn="ctr" rotWithShape="0">
+            <a:outerShdw blurRad="50800" dist="38100" dir="5400000" rotWithShape="0">
               <a:srgbClr val="000000">
-                <a:alpha val="63000"/>
+                <a:alpha val="35000"/>
               </a:srgbClr>
             </a:outerShdw>
           </a:effectLst>
+          <a:scene3d>
+            <a:camera prst="orthographicFront">
+              <a:rot lat="0" lon="0" rev="0"/>
+            </a:camera>
+            <a:lightRig rig="threePt" dir="tl"/>
+          </a:scene3d>
+          <a:sp3d prstMaterial="plastic">
+            <a:bevelT w="0" h="0"/>
+          </a:sp3d>
         </a:effectStyle>
       </a:effectStyleLst>
       <a:bgFillStyleLst>
         <a:solidFill>
           <a:schemeClr val="phClr"/>
         </a:solidFill>
-        <a:solidFill>
-          <a:schemeClr val="phClr">
-            <a:tint val="95000"/>
-            <a:satMod val="170000"/>
-          </a:schemeClr>
-        </a:solidFill>
         <a:gradFill rotWithShape="1">
           <a:gsLst>
             <a:gs pos="0">
               <a:schemeClr val="phClr">
-                <a:tint val="93000"/>
-                <a:satMod val="150000"/>
-                <a:shade val="98000"/>
-                <a:lumMod val="102000"/>
+                <a:tint val="90000"/>
+                <a:lumMod val="104000"/>
               </a:schemeClr>
             </a:gs>
-            <a:gs pos="50000">
+            <a:gs pos="94000">
               <a:schemeClr val="phClr">
-                <a:tint val="98000"/>
-                <a:satMod val="130000"/>
-                <a:shade val="90000"/>
-                <a:lumMod val="103000"/>
+                <a:shade val="96000"/>
+                <a:lumMod val="82000"/>
+              </a:schemeClr>
+            </a:gs>
+          </a:gsLst>
+          <a:lin ang="5400000" scaled="0"/>
+        </a:gradFill>
+        <a:gradFill rotWithShape="1">
+          <a:gsLst>
+            <a:gs pos="0">
+              <a:schemeClr val="phClr">
+                <a:tint val="90000"/>
+                <a:lumMod val="110000"/>
               </a:schemeClr>
             </a:gs>
             <a:gs pos="100000">
               <a:schemeClr val="phClr">
-                <a:shade val="63000"/>
-                <a:satMod val="120000"/>
+                <a:shade val="94000"/>
+                <a:lumMod val="96000"/>
               </a:schemeClr>
             </a:gs>
           </a:gsLst>
-          <a:lin ang="5400000" scaled="0"/>
+          <a:path path="circle">
+            <a:fillToRect l="50000" t="50000" r="100000" b="100000"/>
+          </a:path>
         </a:gradFill>
       </a:bgFillStyleLst>
     </a:fmtScheme>
@@ -6925,7 +9722,7 @@
   <a:extraClrSchemeLst/>
   <a:extLst>
     <a:ext uri="{05A4C25C-085E-4340-85A3-A5531E510DB2}">
-      <thm15:themeFamily xmlns:thm15="http://schemas.microsoft.com/office/thememl/2012/main" name="Office Theme" id="{62F939B6-93AF-4DB8-9C6B-D6C7DFDC589F}" vid="{4A3C46E8-61CC-4603-A589-7422A47A8E4A}"/>
+      <thm15:themeFamily xmlns:thm15="http://schemas.microsoft.com/office/thememl/2012/main" name="Facet" id="{C0C680CD-088A-49FC-A102-D699147F32B2}" vid="{CFBC31BA-B70F-4F30-BCAA-4F3011E16C4D}"/>
     </a:ext>
   </a:extLst>
 </a:theme>
